--- a/Resources/presentation_data.pptx
+++ b/Resources/presentation_data.pptx
@@ -5,30 +5,23 @@
     <p:sldMasterId id="2147483648" r:id="rId1"/>
   </p:sldMasterIdLst>
   <p:notesMasterIdLst>
-    <p:notesMasterId r:id="rId15"/>
+    <p:notesMasterId r:id="rId8"/>
   </p:notesMasterIdLst>
   <p:handoutMasterIdLst>
-    <p:handoutMasterId r:id="rId16"/>
+    <p:handoutMasterId r:id="rId9"/>
   </p:handoutMasterIdLst>
   <p:sldIdLst>
-    <p:sldId id="573" r:id="rId2"/>
-    <p:sldId id="941" r:id="rId3"/>
-    <p:sldId id="944" r:id="rId4"/>
-    <p:sldId id="907" r:id="rId5"/>
-    <p:sldId id="947" r:id="rId6"/>
-    <p:sldId id="948" r:id="rId7"/>
-    <p:sldId id="949" r:id="rId8"/>
-    <p:sldId id="950" r:id="rId9"/>
-    <p:sldId id="951" r:id="rId10"/>
-    <p:sldId id="952" r:id="rId11"/>
-    <p:sldId id="943" r:id="rId12"/>
-    <p:sldId id="945" r:id="rId13"/>
-    <p:sldId id="946" r:id="rId14"/>
+    <p:sldId id="947" r:id="rId2"/>
+    <p:sldId id="948" r:id="rId3"/>
+    <p:sldId id="949" r:id="rId4"/>
+    <p:sldId id="950" r:id="rId5"/>
+    <p:sldId id="951" r:id="rId6"/>
+    <p:sldId id="952" r:id="rId7"/>
   </p:sldIdLst>
   <p:sldSz cx="12192000" cy="6858000"/>
   <p:notesSz cx="6858000" cy="9144000"/>
   <p:custDataLst>
-    <p:tags r:id="rId17"/>
+    <p:tags r:id="rId10"/>
   </p:custDataLst>
   <p:defaultTextStyle>
     <a:defPPr>
@@ -2671,560 +2664,6 @@
     </p:ext>
   </p:extLst>
 </p:notesMaster>
-</file>
-
-<file path=ppt/notesSlides/notesSlide1.xml><?xml version="1.0" encoding="utf-8"?>
-<p:notes xmlns:a="http://schemas.openxmlformats.org/drawingml/2006/main" xmlns:r="http://schemas.openxmlformats.org/officeDocument/2006/relationships" xmlns:p="http://schemas.openxmlformats.org/presentationml/2006/main">
-  <p:cSld>
-    <p:spTree>
-      <p:nvGrpSpPr>
-        <p:cNvPr id="1" name=""/>
-        <p:cNvGrpSpPr/>
-        <p:nvPr/>
-      </p:nvGrpSpPr>
-      <p:grpSpPr>
-        <a:xfrm>
-          <a:off x="0" y="0"/>
-          <a:ext cx="0" cy="0"/>
-          <a:chOff x="0" y="0"/>
-          <a:chExt cx="0" cy="0"/>
-        </a:xfrm>
-      </p:grpSpPr>
-      <p:sp>
-        <p:nvSpPr>
-          <p:cNvPr id="4" name="Slide Number Placeholder 3"/>
-          <p:cNvSpPr>
-            <a:spLocks noGrp="1"/>
-          </p:cNvSpPr>
-          <p:nvPr>
-            <p:ph type="sldNum" sz="quarter" idx="10"/>
-          </p:nvPr>
-        </p:nvSpPr>
-        <p:spPr/>
-        <p:txBody>
-          <a:bodyPr/>
-          <a:lstStyle/>
-          <a:p>
-            <a:fld id="{785BB0B3-964C-4CDE-9D3D-0BF955B8C425}" type="slidenum">
-              <a:rPr lang="en-US" smtClean="0"/>
-              <a:pPr/>
-              <a:t>1</a:t>
-            </a:fld>
-            <a:endParaRPr lang="en-US" dirty="0"/>
-          </a:p>
-        </p:txBody>
-      </p:sp>
-      <p:sp>
-        <p:nvSpPr>
-          <p:cNvPr id="6" name="Slide Image Placeholder 5">
-            <a:extLst>
-              <a:ext uri="{FF2B5EF4-FFF2-40B4-BE49-F238E27FC236}">
-                <a16:creationId xmlns:a16="http://schemas.microsoft.com/office/drawing/2014/main" id="{659FEF80-577E-463D-9B2B-5911423DF878}"/>
-              </a:ext>
-            </a:extLst>
-          </p:cNvPr>
-          <p:cNvSpPr>
-            <a:spLocks noGrp="1" noRot="1" noChangeAspect="1"/>
-          </p:cNvSpPr>
-          <p:nvPr>
-            <p:ph type="sldImg"/>
-          </p:nvPr>
-        </p:nvSpPr>
-        <p:spPr>
-          <a:xfrm>
-            <a:off x="946150" y="555625"/>
-            <a:ext cx="4964113" cy="2792413"/>
-          </a:xfrm>
-        </p:spPr>
-      </p:sp>
-      <p:sp>
-        <p:nvSpPr>
-          <p:cNvPr id="7" name="Notes Placeholder 6">
-            <a:extLst>
-              <a:ext uri="{FF2B5EF4-FFF2-40B4-BE49-F238E27FC236}">
-                <a16:creationId xmlns:a16="http://schemas.microsoft.com/office/drawing/2014/main" id="{34CBE358-5253-4FA0-8251-660F2DE1C872}"/>
-              </a:ext>
-            </a:extLst>
-          </p:cNvPr>
-          <p:cNvSpPr>
-            <a:spLocks noGrp="1"/>
-          </p:cNvSpPr>
-          <p:nvPr>
-            <p:ph type="body" idx="1"/>
-          </p:nvPr>
-        </p:nvSpPr>
-        <p:spPr/>
-        <p:txBody>
-          <a:bodyPr/>
-          <a:lstStyle/>
-          <a:p>
-            <a:endParaRPr lang="en-US" dirty="0"/>
-          </a:p>
-        </p:txBody>
-      </p:sp>
-    </p:spTree>
-    <p:extLst>
-      <p:ext uri="{BB962C8B-B14F-4D97-AF65-F5344CB8AC3E}">
-        <p14:creationId xmlns:p14="http://schemas.microsoft.com/office/powerpoint/2010/main" val="3747193722"/>
-      </p:ext>
-    </p:extLst>
-  </p:cSld>
-  <p:clrMapOvr>
-    <a:masterClrMapping/>
-  </p:clrMapOvr>
-</p:notes>
-</file>
-
-<file path=ppt/notesSlides/notesSlide2.xml><?xml version="1.0" encoding="utf-8"?>
-<p:notes xmlns:a="http://schemas.openxmlformats.org/drawingml/2006/main" xmlns:r="http://schemas.openxmlformats.org/officeDocument/2006/relationships" xmlns:p="http://schemas.openxmlformats.org/presentationml/2006/main">
-  <p:cSld>
-    <p:spTree>
-      <p:nvGrpSpPr>
-        <p:cNvPr id="1" name=""/>
-        <p:cNvGrpSpPr/>
-        <p:nvPr/>
-      </p:nvGrpSpPr>
-      <p:grpSpPr>
-        <a:xfrm>
-          <a:off x="0" y="0"/>
-          <a:ext cx="0" cy="0"/>
-          <a:chOff x="0" y="0"/>
-          <a:chExt cx="0" cy="0"/>
-        </a:xfrm>
-      </p:grpSpPr>
-      <p:sp>
-        <p:nvSpPr>
-          <p:cNvPr id="2" name="Slide Image Placeholder 1"/>
-          <p:cNvSpPr>
-            <a:spLocks noGrp="1" noRot="1" noChangeAspect="1"/>
-          </p:cNvSpPr>
-          <p:nvPr>
-            <p:ph type="sldImg"/>
-          </p:nvPr>
-        </p:nvSpPr>
-        <p:spPr>
-          <a:xfrm>
-            <a:off x="946150" y="555625"/>
-            <a:ext cx="4964113" cy="2792413"/>
-          </a:xfrm>
-        </p:spPr>
-      </p:sp>
-      <p:sp>
-        <p:nvSpPr>
-          <p:cNvPr id="3" name="Notes Placeholder 2"/>
-          <p:cNvSpPr>
-            <a:spLocks noGrp="1"/>
-          </p:cNvSpPr>
-          <p:nvPr>
-            <p:ph type="body" idx="1"/>
-          </p:nvPr>
-        </p:nvSpPr>
-        <p:spPr/>
-        <p:txBody>
-          <a:bodyPr/>
-          <a:lstStyle/>
-          <a:p>
-            <a:endParaRPr lang="en-US" dirty="0"/>
-          </a:p>
-        </p:txBody>
-      </p:sp>
-      <p:sp>
-        <p:nvSpPr>
-          <p:cNvPr id="4" name="Slide Number Placeholder 3"/>
-          <p:cNvSpPr>
-            <a:spLocks noGrp="1"/>
-          </p:cNvSpPr>
-          <p:nvPr>
-            <p:ph type="sldNum" sz="quarter" idx="10"/>
-          </p:nvPr>
-        </p:nvSpPr>
-        <p:spPr/>
-        <p:txBody>
-          <a:bodyPr/>
-          <a:lstStyle/>
-          <a:p>
-            <a:pPr marL="0" marR="0" lvl="0" indent="0" algn="r" defTabSz="914400" rtl="0" eaLnBrk="1" fontAlgn="auto" latinLnBrk="0" hangingPunct="1">
-              <a:lnSpc>
-                <a:spcPct val="93000"/>
-              </a:lnSpc>
-              <a:spcBef>
-                <a:spcPts val="0"/>
-              </a:spcBef>
-              <a:spcAft>
-                <a:spcPts val="0"/>
-              </a:spcAft>
-              <a:buClrTx/>
-              <a:buSzTx/>
-              <a:buFontTx/>
-              <a:buNone/>
-              <a:tabLst/>
-              <a:defRPr/>
-            </a:pPr>
-            <a:fld id="{785BB0B3-964C-4CDE-9D3D-0BF955B8C425}" type="slidenum">
-              <a:rPr kumimoji="0" lang="en-US" sz="800" b="0" i="0" u="none" strike="noStrike" kern="1200" cap="none" spc="0" normalizeH="0" baseline="0" noProof="0" smtClean="0">
-                <a:ln>
-                  <a:noFill/>
-                </a:ln>
-                <a:solidFill>
-                  <a:prstClr val="black">
-                    <a:lumMod val="50000"/>
-                    <a:lumOff val="50000"/>
-                  </a:prstClr>
-                </a:solidFill>
-                <a:effectLst/>
-                <a:uLnTx/>
-                <a:uFillTx/>
-                <a:latin typeface="Microsoft Sans Serif" panose="020B0604020202020204" pitchFamily="34" charset="0"/>
-                <a:ea typeface="+mn-ea"/>
-                <a:cs typeface="Microsoft Sans Serif" panose="020B0604020202020204" pitchFamily="34" charset="0"/>
-              </a:rPr>
-              <a:pPr marL="0" marR="0" lvl="0" indent="0" algn="r" defTabSz="914400" rtl="0" eaLnBrk="1" fontAlgn="auto" latinLnBrk="0" hangingPunct="1">
-                <a:lnSpc>
-                  <a:spcPct val="93000"/>
-                </a:lnSpc>
-                <a:spcBef>
-                  <a:spcPts val="0"/>
-                </a:spcBef>
-                <a:spcAft>
-                  <a:spcPts val="0"/>
-                </a:spcAft>
-                <a:buClrTx/>
-                <a:buSzTx/>
-                <a:buFontTx/>
-                <a:buNone/>
-                <a:tabLst/>
-                <a:defRPr/>
-              </a:pPr>
-              <a:t>3</a:t>
-            </a:fld>
-            <a:endParaRPr kumimoji="0" lang="en-US" sz="800" b="0" i="0" u="none" strike="noStrike" kern="1200" cap="none" spc="0" normalizeH="0" baseline="0" noProof="0" dirty="0">
-              <a:ln>
-                <a:noFill/>
-              </a:ln>
-              <a:solidFill>
-                <a:prstClr val="black">
-                  <a:lumMod val="50000"/>
-                  <a:lumOff val="50000"/>
-                </a:prstClr>
-              </a:solidFill>
-              <a:effectLst/>
-              <a:uLnTx/>
-              <a:uFillTx/>
-              <a:latin typeface="Microsoft Sans Serif" panose="020B0604020202020204" pitchFamily="34" charset="0"/>
-              <a:ea typeface="+mn-ea"/>
-              <a:cs typeface="Microsoft Sans Serif" panose="020B0604020202020204" pitchFamily="34" charset="0"/>
-            </a:endParaRPr>
-          </a:p>
-        </p:txBody>
-      </p:sp>
-    </p:spTree>
-    <p:extLst>
-      <p:ext uri="{BB962C8B-B14F-4D97-AF65-F5344CB8AC3E}">
-        <p14:creationId xmlns:p14="http://schemas.microsoft.com/office/powerpoint/2010/main" val="2733080145"/>
-      </p:ext>
-    </p:extLst>
-  </p:cSld>
-  <p:clrMapOvr>
-    <a:masterClrMapping/>
-  </p:clrMapOvr>
-</p:notes>
-</file>
-
-<file path=ppt/notesSlides/notesSlide3.xml><?xml version="1.0" encoding="utf-8"?>
-<p:notes xmlns:a="http://schemas.openxmlformats.org/drawingml/2006/main" xmlns:r="http://schemas.openxmlformats.org/officeDocument/2006/relationships" xmlns:p="http://schemas.openxmlformats.org/presentationml/2006/main">
-  <p:cSld>
-    <p:spTree>
-      <p:nvGrpSpPr>
-        <p:cNvPr id="1" name=""/>
-        <p:cNvGrpSpPr/>
-        <p:nvPr/>
-      </p:nvGrpSpPr>
-      <p:grpSpPr>
-        <a:xfrm>
-          <a:off x="0" y="0"/>
-          <a:ext cx="0" cy="0"/>
-          <a:chOff x="0" y="0"/>
-          <a:chExt cx="0" cy="0"/>
-        </a:xfrm>
-      </p:grpSpPr>
-      <p:sp>
-        <p:nvSpPr>
-          <p:cNvPr id="2" name="Slide Image Placeholder 1"/>
-          <p:cNvSpPr>
-            <a:spLocks noGrp="1" noRot="1" noChangeAspect="1"/>
-          </p:cNvSpPr>
-          <p:nvPr>
-            <p:ph type="sldImg"/>
-          </p:nvPr>
-        </p:nvSpPr>
-        <p:spPr>
-          <a:xfrm>
-            <a:off x="946150" y="555625"/>
-            <a:ext cx="4964113" cy="2792413"/>
-          </a:xfrm>
-        </p:spPr>
-      </p:sp>
-      <p:sp>
-        <p:nvSpPr>
-          <p:cNvPr id="3" name="Notes Placeholder 2"/>
-          <p:cNvSpPr>
-            <a:spLocks noGrp="1"/>
-          </p:cNvSpPr>
-          <p:nvPr>
-            <p:ph type="body" idx="1"/>
-          </p:nvPr>
-        </p:nvSpPr>
-        <p:spPr/>
-        <p:txBody>
-          <a:bodyPr/>
-          <a:lstStyle/>
-          <a:p>
-            <a:endParaRPr lang="en-US"/>
-          </a:p>
-        </p:txBody>
-      </p:sp>
-      <p:sp>
-        <p:nvSpPr>
-          <p:cNvPr id="4" name="Slide Number Placeholder 3"/>
-          <p:cNvSpPr>
-            <a:spLocks noGrp="1"/>
-          </p:cNvSpPr>
-          <p:nvPr>
-            <p:ph type="sldNum" sz="quarter" idx="10"/>
-          </p:nvPr>
-        </p:nvSpPr>
-        <p:spPr/>
-        <p:txBody>
-          <a:bodyPr/>
-          <a:lstStyle/>
-          <a:p>
-            <a:pPr>
-              <a:lnSpc>
-                <a:spcPct val="93000"/>
-              </a:lnSpc>
-            </a:pPr>
-            <a:fld id="{785BB0B3-964C-4CDE-9D3D-0BF955B8C425}" type="slidenum">
-              <a:rPr lang="en-US" smtClean="0"/>
-              <a:pPr>
-                <a:lnSpc>
-                  <a:spcPct val="93000"/>
-                </a:lnSpc>
-              </a:pPr>
-              <a:t>4</a:t>
-            </a:fld>
-            <a:endParaRPr lang="en-US" dirty="0"/>
-          </a:p>
-        </p:txBody>
-      </p:sp>
-    </p:spTree>
-    <p:extLst>
-      <p:ext uri="{BB962C8B-B14F-4D97-AF65-F5344CB8AC3E}">
-        <p14:creationId xmlns:p14="http://schemas.microsoft.com/office/powerpoint/2010/main" val="2362869598"/>
-      </p:ext>
-    </p:extLst>
-  </p:cSld>
-  <p:clrMapOvr>
-    <a:masterClrMapping/>
-  </p:clrMapOvr>
-</p:notes>
-</file>
-
-<file path=ppt/notesSlides/notesSlide4.xml><?xml version="1.0" encoding="utf-8"?>
-<p:notes xmlns:a="http://schemas.openxmlformats.org/drawingml/2006/main" xmlns:r="http://schemas.openxmlformats.org/officeDocument/2006/relationships" xmlns:p="http://schemas.openxmlformats.org/presentationml/2006/main">
-  <p:cSld>
-    <p:spTree>
-      <p:nvGrpSpPr>
-        <p:cNvPr id="1" name=""/>
-        <p:cNvGrpSpPr/>
-        <p:nvPr/>
-      </p:nvGrpSpPr>
-      <p:grpSpPr>
-        <a:xfrm>
-          <a:off x="0" y="0"/>
-          <a:ext cx="0" cy="0"/>
-          <a:chOff x="0" y="0"/>
-          <a:chExt cx="0" cy="0"/>
-        </a:xfrm>
-      </p:grpSpPr>
-      <p:sp>
-        <p:nvSpPr>
-          <p:cNvPr id="2" name="Slide Image Placeholder 1"/>
-          <p:cNvSpPr>
-            <a:spLocks noGrp="1" noRot="1" noChangeAspect="1"/>
-          </p:cNvSpPr>
-          <p:nvPr>
-            <p:ph type="sldImg"/>
-          </p:nvPr>
-        </p:nvSpPr>
-        <p:spPr>
-          <a:xfrm>
-            <a:off x="946150" y="555625"/>
-            <a:ext cx="4964113" cy="2792413"/>
-          </a:xfrm>
-        </p:spPr>
-      </p:sp>
-      <p:sp>
-        <p:nvSpPr>
-          <p:cNvPr id="3" name="Notes Placeholder 2"/>
-          <p:cNvSpPr>
-            <a:spLocks noGrp="1"/>
-          </p:cNvSpPr>
-          <p:nvPr>
-            <p:ph type="body" idx="1"/>
-          </p:nvPr>
-        </p:nvSpPr>
-        <p:spPr/>
-        <p:txBody>
-          <a:bodyPr/>
-          <a:lstStyle/>
-          <a:p>
-            <a:endParaRPr lang="en-US" dirty="0"/>
-          </a:p>
-        </p:txBody>
-      </p:sp>
-      <p:sp>
-        <p:nvSpPr>
-          <p:cNvPr id="4" name="Slide Number Placeholder 3"/>
-          <p:cNvSpPr>
-            <a:spLocks noGrp="1"/>
-          </p:cNvSpPr>
-          <p:nvPr>
-            <p:ph type="sldNum" sz="quarter" idx="10"/>
-          </p:nvPr>
-        </p:nvSpPr>
-        <p:spPr/>
-        <p:txBody>
-          <a:bodyPr/>
-          <a:lstStyle/>
-          <a:p>
-            <a:pPr>
-              <a:lnSpc>
-                <a:spcPct val="93000"/>
-              </a:lnSpc>
-            </a:pPr>
-            <a:fld id="{785BB0B3-964C-4CDE-9D3D-0BF955B8C425}" type="slidenum">
-              <a:rPr lang="en-US" smtClean="0"/>
-              <a:pPr>
-                <a:lnSpc>
-                  <a:spcPct val="93000"/>
-                </a:lnSpc>
-              </a:pPr>
-              <a:t>12</a:t>
-            </a:fld>
-            <a:endParaRPr lang="en-US" dirty="0"/>
-          </a:p>
-        </p:txBody>
-      </p:sp>
-    </p:spTree>
-    <p:extLst>
-      <p:ext uri="{BB962C8B-B14F-4D97-AF65-F5344CB8AC3E}">
-        <p14:creationId xmlns:p14="http://schemas.microsoft.com/office/powerpoint/2010/main" val="562430804"/>
-      </p:ext>
-    </p:extLst>
-  </p:cSld>
-  <p:clrMapOvr>
-    <a:masterClrMapping/>
-  </p:clrMapOvr>
-</p:notes>
-</file>
-
-<file path=ppt/notesSlides/notesSlide5.xml><?xml version="1.0" encoding="utf-8"?>
-<p:notes xmlns:a="http://schemas.openxmlformats.org/drawingml/2006/main" xmlns:r="http://schemas.openxmlformats.org/officeDocument/2006/relationships" xmlns:p="http://schemas.openxmlformats.org/presentationml/2006/main">
-  <p:cSld>
-    <p:spTree>
-      <p:nvGrpSpPr>
-        <p:cNvPr id="1" name=""/>
-        <p:cNvGrpSpPr/>
-        <p:nvPr/>
-      </p:nvGrpSpPr>
-      <p:grpSpPr>
-        <a:xfrm>
-          <a:off x="0" y="0"/>
-          <a:ext cx="0" cy="0"/>
-          <a:chOff x="0" y="0"/>
-          <a:chExt cx="0" cy="0"/>
-        </a:xfrm>
-      </p:grpSpPr>
-      <p:sp>
-        <p:nvSpPr>
-          <p:cNvPr id="2" name="Slide Image Placeholder 1"/>
-          <p:cNvSpPr>
-            <a:spLocks noGrp="1" noRot="1" noChangeAspect="1"/>
-          </p:cNvSpPr>
-          <p:nvPr>
-            <p:ph type="sldImg"/>
-          </p:nvPr>
-        </p:nvSpPr>
-        <p:spPr>
-          <a:xfrm>
-            <a:off x="1566863" y="555625"/>
-            <a:ext cx="3722687" cy="2792413"/>
-          </a:xfrm>
-        </p:spPr>
-      </p:sp>
-      <p:sp>
-        <p:nvSpPr>
-          <p:cNvPr id="3" name="Notes Placeholder 2"/>
-          <p:cNvSpPr>
-            <a:spLocks noGrp="1"/>
-          </p:cNvSpPr>
-          <p:nvPr>
-            <p:ph type="body" idx="1"/>
-          </p:nvPr>
-        </p:nvSpPr>
-        <p:spPr/>
-        <p:txBody>
-          <a:bodyPr/>
-          <a:lstStyle/>
-          <a:p>
-            <a:endParaRPr lang="en-US" dirty="0"/>
-          </a:p>
-        </p:txBody>
-      </p:sp>
-      <p:sp>
-        <p:nvSpPr>
-          <p:cNvPr id="4" name="Slide Number Placeholder 3"/>
-          <p:cNvSpPr>
-            <a:spLocks noGrp="1"/>
-          </p:cNvSpPr>
-          <p:nvPr>
-            <p:ph type="sldNum" sz="quarter" idx="10"/>
-          </p:nvPr>
-        </p:nvSpPr>
-        <p:spPr/>
-        <p:txBody>
-          <a:bodyPr/>
-          <a:lstStyle/>
-          <a:p>
-            <a:pPr>
-              <a:lnSpc>
-                <a:spcPct val="93000"/>
-              </a:lnSpc>
-            </a:pPr>
-            <a:fld id="{785BB0B3-964C-4CDE-9D3D-0BF955B8C425}" type="slidenum">
-              <a:rPr lang="en-US" smtClean="0"/>
-              <a:pPr>
-                <a:lnSpc>
-                  <a:spcPct val="93000"/>
-                </a:lnSpc>
-              </a:pPr>
-              <a:t>13</a:t>
-            </a:fld>
-            <a:endParaRPr lang="en-US" dirty="0"/>
-          </a:p>
-        </p:txBody>
-      </p:sp>
-    </p:spTree>
-    <p:extLst>
-      <p:ext uri="{BB962C8B-B14F-4D97-AF65-F5344CB8AC3E}">
-        <p14:creationId xmlns:p14="http://schemas.microsoft.com/office/powerpoint/2010/main" val="1865801616"/>
-      </p:ext>
-    </p:extLst>
-  </p:cSld>
-  <p:clrMapOvr>
-    <a:masterClrMapping/>
-  </p:clrMapOvr>
-</p:notes>
 </file>
 
 <file path=ppt/slideLayouts/slideLayout1.xml><?xml version="1.0" encoding="utf-8"?>
@@ -34470,546 +33909,6 @@
 </p:sldLayout>
 </file>
 
-<file path=ppt/slideLayouts/slideLayout43.xml><?xml version="1.0" encoding="utf-8"?>
-<p:sldLayout xmlns:a="http://schemas.openxmlformats.org/drawingml/2006/main" xmlns:r="http://schemas.openxmlformats.org/officeDocument/2006/relationships" xmlns:p="http://schemas.openxmlformats.org/presentationml/2006/main" userDrawn="1">
-  <p:cSld name="1_Title and Content">
-    <p:spTree>
-      <p:nvGrpSpPr>
-        <p:cNvPr id="1" name=""/>
-        <p:cNvGrpSpPr/>
-        <p:nvPr/>
-      </p:nvGrpSpPr>
-      <p:grpSpPr>
-        <a:xfrm>
-          <a:off x="0" y="0"/>
-          <a:ext cx="0" cy="0"/>
-          <a:chOff x="0" y="0"/>
-          <a:chExt cx="0" cy="0"/>
-        </a:xfrm>
-      </p:grpSpPr>
-      <p:sp>
-        <p:nvSpPr>
-          <p:cNvPr id="4" name="Title 3"/>
-          <p:cNvSpPr>
-            <a:spLocks noGrp="1"/>
-          </p:cNvSpPr>
-          <p:nvPr>
-            <p:ph type="title"/>
-          </p:nvPr>
-        </p:nvSpPr>
-        <p:spPr/>
-        <p:txBody>
-          <a:bodyPr/>
-          <a:lstStyle/>
-          <a:p>
-            <a:r>
-              <a:rPr lang="en-US"/>
-              <a:t>Click to edit Master title style</a:t>
-            </a:r>
-            <a:endParaRPr lang="en-US" dirty="0"/>
-          </a:p>
-        </p:txBody>
-      </p:sp>
-      <p:sp>
-        <p:nvSpPr>
-          <p:cNvPr id="6" name="Content Placeholder 5"/>
-          <p:cNvSpPr>
-            <a:spLocks noGrp="1"/>
-          </p:cNvSpPr>
-          <p:nvPr>
-            <p:ph sz="quarter" idx="12"/>
-          </p:nvPr>
-        </p:nvSpPr>
-        <p:spPr>
-          <a:xfrm>
-            <a:off x="475488" y="1709928"/>
-            <a:ext cx="11210544" cy="4636008"/>
-          </a:xfrm>
-        </p:spPr>
-        <p:txBody>
-          <a:bodyPr/>
-          <a:lstStyle>
-            <a:lvl5pPr>
-              <a:defRPr/>
-            </a:lvl5pPr>
-          </a:lstStyle>
-          <a:p>
-            <a:pPr lvl="0"/>
-            <a:r>
-              <a:rPr lang="en-US"/>
-              <a:t>Edit Master text styles</a:t>
-            </a:r>
-          </a:p>
-          <a:p>
-            <a:pPr lvl="1"/>
-            <a:r>
-              <a:rPr lang="en-US"/>
-              <a:t>Second level</a:t>
-            </a:r>
-          </a:p>
-          <a:p>
-            <a:pPr lvl="2"/>
-            <a:r>
-              <a:rPr lang="en-US"/>
-              <a:t>Third level</a:t>
-            </a:r>
-          </a:p>
-          <a:p>
-            <a:pPr lvl="3"/>
-            <a:r>
-              <a:rPr lang="en-US"/>
-              <a:t>Fourth level</a:t>
-            </a:r>
-          </a:p>
-          <a:p>
-            <a:pPr lvl="4"/>
-            <a:r>
-              <a:rPr lang="en-US"/>
-              <a:t>Fifth level</a:t>
-            </a:r>
-            <a:endParaRPr lang="en-US" dirty="0"/>
-          </a:p>
-        </p:txBody>
-      </p:sp>
-      <p:sp>
-        <p:nvSpPr>
-          <p:cNvPr id="8" name="Subtitle">
-            <a:extLst>
-              <a:ext uri="{FF2B5EF4-FFF2-40B4-BE49-F238E27FC236}">
-                <a16:creationId xmlns:a16="http://schemas.microsoft.com/office/drawing/2014/main" id="{A19E94CA-F00B-4A8B-A6EB-3E6BCE6D18AF}"/>
-              </a:ext>
-            </a:extLst>
-          </p:cNvPr>
-          <p:cNvSpPr>
-            <a:spLocks noGrp="1"/>
-          </p:cNvSpPr>
-          <p:nvPr>
-            <p:ph type="subTitle" idx="1"/>
-          </p:nvPr>
-        </p:nvSpPr>
-        <p:spPr>
-          <a:xfrm>
-            <a:off x="479793" y="1132232"/>
-            <a:ext cx="11202619" cy="431657"/>
-          </a:xfrm>
-        </p:spPr>
-        <p:txBody>
-          <a:bodyPr/>
-          <a:lstStyle>
-            <a:lvl1pPr marL="0" indent="0" algn="l">
-              <a:lnSpc>
-                <a:spcPct val="83000"/>
-              </a:lnSpc>
-              <a:spcBef>
-                <a:spcPts val="1800"/>
-              </a:spcBef>
-              <a:buNone/>
-              <a:defRPr sz="2400"/>
-            </a:lvl1pPr>
-            <a:lvl2pPr marL="457200" indent="0" algn="ctr">
-              <a:buNone/>
-              <a:defRPr sz="2000"/>
-            </a:lvl2pPr>
-            <a:lvl3pPr marL="914400" indent="0" algn="ctr">
-              <a:buNone/>
-              <a:defRPr sz="1800"/>
-            </a:lvl3pPr>
-            <a:lvl4pPr marL="1371600" indent="0" algn="ctr">
-              <a:buNone/>
-              <a:defRPr sz="1600"/>
-            </a:lvl4pPr>
-            <a:lvl5pPr marL="1828800" indent="0" algn="ctr">
-              <a:buNone/>
-              <a:defRPr sz="1600"/>
-            </a:lvl5pPr>
-            <a:lvl6pPr marL="2286000" indent="0" algn="ctr">
-              <a:buNone/>
-              <a:defRPr sz="1600"/>
-            </a:lvl6pPr>
-            <a:lvl7pPr marL="2743200" indent="0" algn="ctr">
-              <a:buNone/>
-              <a:defRPr sz="1600"/>
-            </a:lvl7pPr>
-            <a:lvl8pPr marL="3200400" indent="0" algn="ctr">
-              <a:buNone/>
-              <a:defRPr sz="1600"/>
-            </a:lvl8pPr>
-            <a:lvl9pPr marL="3657600" indent="0" algn="ctr">
-              <a:buNone/>
-              <a:defRPr sz="1600"/>
-            </a:lvl9pPr>
-          </a:lstStyle>
-          <a:p>
-            <a:r>
-              <a:rPr lang="en-US"/>
-              <a:t>Click to edit Master subtitle style</a:t>
-            </a:r>
-            <a:endParaRPr lang="en-US" dirty="0"/>
-          </a:p>
-        </p:txBody>
-      </p:sp>
-      <p:sp>
-        <p:nvSpPr>
-          <p:cNvPr id="10" name="Source Placeholder 3">
-            <a:extLst>
-              <a:ext uri="{FF2B5EF4-FFF2-40B4-BE49-F238E27FC236}">
-                <a16:creationId xmlns:a16="http://schemas.microsoft.com/office/drawing/2014/main" id="{40D35F6E-3204-4FFD-B5ED-941E86000507}"/>
-              </a:ext>
-            </a:extLst>
-          </p:cNvPr>
-          <p:cNvSpPr>
-            <a:spLocks noGrp="1"/>
-          </p:cNvSpPr>
-          <p:nvPr>
-            <p:ph type="body" sz="quarter" idx="10" hasCustomPrompt="1"/>
-          </p:nvPr>
-        </p:nvSpPr>
-        <p:spPr>
-          <a:xfrm>
-            <a:off x="494189" y="6484545"/>
-            <a:ext cx="10223500" cy="189802"/>
-          </a:xfrm>
-        </p:spPr>
-        <p:txBody>
-          <a:bodyPr anchor="b"/>
-          <a:lstStyle>
-            <a:lvl1pPr marL="0" indent="0">
-              <a:buNone/>
-              <a:defRPr sz="800">
-                <a:solidFill>
-                  <a:schemeClr val="tx1">
-                    <a:lumMod val="50000"/>
-                    <a:lumOff val="50000"/>
-                  </a:schemeClr>
-                </a:solidFill>
-              </a:defRPr>
-            </a:lvl1pPr>
-            <a:lvl2pPr marL="163703" indent="0">
-              <a:buNone/>
-              <a:defRPr/>
-            </a:lvl2pPr>
-            <a:lvl3pPr marL="347663" indent="0">
-              <a:buNone/>
-              <a:defRPr/>
-            </a:lvl3pPr>
-            <a:lvl4pPr marL="512064" indent="0">
-              <a:buNone/>
-              <a:defRPr/>
-            </a:lvl4pPr>
-            <a:lvl5pPr>
-              <a:buNone/>
-              <a:defRPr/>
-            </a:lvl5pPr>
-          </a:lstStyle>
-          <a:p>
-            <a:pPr lvl="0"/>
-            <a:r>
-              <a:rPr lang="en-US" dirty="0"/>
-              <a:t>Edit source notes</a:t>
-            </a:r>
-          </a:p>
-        </p:txBody>
-      </p:sp>
-    </p:spTree>
-    <p:extLst>
-      <p:ext uri="{BB962C8B-B14F-4D97-AF65-F5344CB8AC3E}">
-        <p14:creationId xmlns:p14="http://schemas.microsoft.com/office/powerpoint/2010/main" val="919437699"/>
-      </p:ext>
-    </p:extLst>
-  </p:cSld>
-  <p:clrMapOvr>
-    <a:masterClrMapping/>
-  </p:clrMapOvr>
-  <mc:AlternateContent xmlns:mc="http://schemas.openxmlformats.org/markup-compatibility/2006" xmlns:p14="http://schemas.microsoft.com/office/powerpoint/2010/main">
-    <mc:Choice Requires="p14">
-      <p:transition spd="med" p14:dur="700">
-        <p:fade/>
-      </p:transition>
-    </mc:Choice>
-    <mc:Fallback xmlns="">
-      <p:transition spd="med">
-        <p:fade/>
-      </p:transition>
-    </mc:Fallback>
-  </mc:AlternateContent>
-  <p:extLst mod="1">
-    <p:ext uri="{DCECCB84-F9BA-43D5-87BE-67443E8EF086}">
-      <p15:sldGuideLst xmlns:p15="http://schemas.microsoft.com/office/powerpoint/2012/main"/>
-    </p:ext>
-  </p:extLst>
-</p:sldLayout>
-</file>
-
-<file path=ppt/slideLayouts/slideLayout44.xml><?xml version="1.0" encoding="utf-8"?>
-<p:sldLayout xmlns:a="http://schemas.openxmlformats.org/drawingml/2006/main" xmlns:r="http://schemas.openxmlformats.org/officeDocument/2006/relationships" xmlns:p="http://schemas.openxmlformats.org/presentationml/2006/main" userDrawn="1">
-  <p:cSld name="2_Title and Content">
-    <p:spTree>
-      <p:nvGrpSpPr>
-        <p:cNvPr id="1" name=""/>
-        <p:cNvGrpSpPr/>
-        <p:nvPr/>
-      </p:nvGrpSpPr>
-      <p:grpSpPr>
-        <a:xfrm>
-          <a:off x="0" y="0"/>
-          <a:ext cx="0" cy="0"/>
-          <a:chOff x="0" y="0"/>
-          <a:chExt cx="0" cy="0"/>
-        </a:xfrm>
-      </p:grpSpPr>
-      <p:sp>
-        <p:nvSpPr>
-          <p:cNvPr id="4" name="Title 3"/>
-          <p:cNvSpPr>
-            <a:spLocks noGrp="1"/>
-          </p:cNvSpPr>
-          <p:nvPr>
-            <p:ph type="title"/>
-          </p:nvPr>
-        </p:nvSpPr>
-        <p:spPr/>
-        <p:txBody>
-          <a:bodyPr/>
-          <a:lstStyle/>
-          <a:p>
-            <a:r>
-              <a:rPr lang="en-US"/>
-              <a:t>Click to edit Master title style</a:t>
-            </a:r>
-            <a:endParaRPr lang="en-US" dirty="0"/>
-          </a:p>
-        </p:txBody>
-      </p:sp>
-      <p:sp>
-        <p:nvSpPr>
-          <p:cNvPr id="6" name="Content Placeholder 5"/>
-          <p:cNvSpPr>
-            <a:spLocks noGrp="1"/>
-          </p:cNvSpPr>
-          <p:nvPr>
-            <p:ph sz="quarter" idx="12"/>
-          </p:nvPr>
-        </p:nvSpPr>
-        <p:spPr>
-          <a:xfrm>
-            <a:off x="475488" y="1709928"/>
-            <a:ext cx="11210544" cy="4636008"/>
-          </a:xfrm>
-        </p:spPr>
-        <p:txBody>
-          <a:bodyPr/>
-          <a:lstStyle>
-            <a:lvl5pPr>
-              <a:defRPr/>
-            </a:lvl5pPr>
-          </a:lstStyle>
-          <a:p>
-            <a:pPr lvl="0"/>
-            <a:r>
-              <a:rPr lang="en-US"/>
-              <a:t>Edit Master text styles</a:t>
-            </a:r>
-          </a:p>
-          <a:p>
-            <a:pPr lvl="1"/>
-            <a:r>
-              <a:rPr lang="en-US"/>
-              <a:t>Second level</a:t>
-            </a:r>
-          </a:p>
-          <a:p>
-            <a:pPr lvl="2"/>
-            <a:r>
-              <a:rPr lang="en-US"/>
-              <a:t>Third level</a:t>
-            </a:r>
-          </a:p>
-          <a:p>
-            <a:pPr lvl="3"/>
-            <a:r>
-              <a:rPr lang="en-US"/>
-              <a:t>Fourth level</a:t>
-            </a:r>
-          </a:p>
-          <a:p>
-            <a:pPr lvl="4"/>
-            <a:r>
-              <a:rPr lang="en-US"/>
-              <a:t>Fifth level</a:t>
-            </a:r>
-            <a:endParaRPr lang="en-US" dirty="0"/>
-          </a:p>
-        </p:txBody>
-      </p:sp>
-      <p:sp>
-        <p:nvSpPr>
-          <p:cNvPr id="8" name="Subtitle">
-            <a:extLst>
-              <a:ext uri="{FF2B5EF4-FFF2-40B4-BE49-F238E27FC236}">
-                <a16:creationId xmlns:a16="http://schemas.microsoft.com/office/drawing/2014/main" id="{A19E94CA-F00B-4A8B-A6EB-3E6BCE6D18AF}"/>
-              </a:ext>
-            </a:extLst>
-          </p:cNvPr>
-          <p:cNvSpPr>
-            <a:spLocks noGrp="1"/>
-          </p:cNvSpPr>
-          <p:nvPr>
-            <p:ph type="subTitle" idx="1"/>
-          </p:nvPr>
-        </p:nvSpPr>
-        <p:spPr>
-          <a:xfrm>
-            <a:off x="479793" y="1132232"/>
-            <a:ext cx="11202619" cy="431657"/>
-          </a:xfrm>
-        </p:spPr>
-        <p:txBody>
-          <a:bodyPr/>
-          <a:lstStyle>
-            <a:lvl1pPr marL="0" indent="0" algn="l">
-              <a:lnSpc>
-                <a:spcPct val="83000"/>
-              </a:lnSpc>
-              <a:spcBef>
-                <a:spcPts val="1800"/>
-              </a:spcBef>
-              <a:buNone/>
-              <a:defRPr sz="2400"/>
-            </a:lvl1pPr>
-            <a:lvl2pPr marL="457200" indent="0" algn="ctr">
-              <a:buNone/>
-              <a:defRPr sz="2000"/>
-            </a:lvl2pPr>
-            <a:lvl3pPr marL="914400" indent="0" algn="ctr">
-              <a:buNone/>
-              <a:defRPr sz="1800"/>
-            </a:lvl3pPr>
-            <a:lvl4pPr marL="1371600" indent="0" algn="ctr">
-              <a:buNone/>
-              <a:defRPr sz="1600"/>
-            </a:lvl4pPr>
-            <a:lvl5pPr marL="1828800" indent="0" algn="ctr">
-              <a:buNone/>
-              <a:defRPr sz="1600"/>
-            </a:lvl5pPr>
-            <a:lvl6pPr marL="2286000" indent="0" algn="ctr">
-              <a:buNone/>
-              <a:defRPr sz="1600"/>
-            </a:lvl6pPr>
-            <a:lvl7pPr marL="2743200" indent="0" algn="ctr">
-              <a:buNone/>
-              <a:defRPr sz="1600"/>
-            </a:lvl7pPr>
-            <a:lvl8pPr marL="3200400" indent="0" algn="ctr">
-              <a:buNone/>
-              <a:defRPr sz="1600"/>
-            </a:lvl8pPr>
-            <a:lvl9pPr marL="3657600" indent="0" algn="ctr">
-              <a:buNone/>
-              <a:defRPr sz="1600"/>
-            </a:lvl9pPr>
-          </a:lstStyle>
-          <a:p>
-            <a:r>
-              <a:rPr lang="en-US"/>
-              <a:t>Click to edit Master subtitle style</a:t>
-            </a:r>
-            <a:endParaRPr lang="en-US" dirty="0"/>
-          </a:p>
-        </p:txBody>
-      </p:sp>
-      <p:sp>
-        <p:nvSpPr>
-          <p:cNvPr id="10" name="Source Placeholder 3">
-            <a:extLst>
-              <a:ext uri="{FF2B5EF4-FFF2-40B4-BE49-F238E27FC236}">
-                <a16:creationId xmlns:a16="http://schemas.microsoft.com/office/drawing/2014/main" id="{40D35F6E-3204-4FFD-B5ED-941E86000507}"/>
-              </a:ext>
-            </a:extLst>
-          </p:cNvPr>
-          <p:cNvSpPr>
-            <a:spLocks noGrp="1"/>
-          </p:cNvSpPr>
-          <p:nvPr>
-            <p:ph type="body" sz="quarter" idx="10" hasCustomPrompt="1"/>
-          </p:nvPr>
-        </p:nvSpPr>
-        <p:spPr>
-          <a:xfrm>
-            <a:off x="494189" y="6484545"/>
-            <a:ext cx="10223500" cy="189802"/>
-          </a:xfrm>
-        </p:spPr>
-        <p:txBody>
-          <a:bodyPr anchor="b"/>
-          <a:lstStyle>
-            <a:lvl1pPr marL="0" indent="0">
-              <a:buNone/>
-              <a:defRPr sz="800">
-                <a:solidFill>
-                  <a:schemeClr val="tx1">
-                    <a:lumMod val="50000"/>
-                    <a:lumOff val="50000"/>
-                  </a:schemeClr>
-                </a:solidFill>
-              </a:defRPr>
-            </a:lvl1pPr>
-            <a:lvl2pPr marL="163703" indent="0">
-              <a:buNone/>
-              <a:defRPr/>
-            </a:lvl2pPr>
-            <a:lvl3pPr marL="347663" indent="0">
-              <a:buNone/>
-              <a:defRPr/>
-            </a:lvl3pPr>
-            <a:lvl4pPr marL="512064" indent="0">
-              <a:buNone/>
-              <a:defRPr/>
-            </a:lvl4pPr>
-            <a:lvl5pPr>
-              <a:buNone/>
-              <a:defRPr/>
-            </a:lvl5pPr>
-          </a:lstStyle>
-          <a:p>
-            <a:pPr lvl="0"/>
-            <a:r>
-              <a:rPr lang="en-US" dirty="0"/>
-              <a:t>Edit source notes</a:t>
-            </a:r>
-          </a:p>
-        </p:txBody>
-      </p:sp>
-    </p:spTree>
-    <p:extLst>
-      <p:ext uri="{BB962C8B-B14F-4D97-AF65-F5344CB8AC3E}">
-        <p14:creationId xmlns:p14="http://schemas.microsoft.com/office/powerpoint/2010/main" val="1698992381"/>
-      </p:ext>
-    </p:extLst>
-  </p:cSld>
-  <p:clrMapOvr>
-    <a:masterClrMapping/>
-  </p:clrMapOvr>
-  <mc:AlternateContent xmlns:mc="http://schemas.openxmlformats.org/markup-compatibility/2006" xmlns:p14="http://schemas.microsoft.com/office/powerpoint/2010/main">
-    <mc:Choice Requires="p14">
-      <p:transition spd="med" p14:dur="700">
-        <p:fade/>
-      </p:transition>
-    </mc:Choice>
-    <mc:Fallback xmlns="">
-      <p:transition spd="med">
-        <p:fade/>
-      </p:transition>
-    </mc:Fallback>
-  </mc:AlternateContent>
-  <p:extLst mod="1">
-    <p:ext uri="{DCECCB84-F9BA-43D5-87BE-67443E8EF086}">
-      <p15:sldGuideLst xmlns:p15="http://schemas.microsoft.com/office/powerpoint/2012/main"/>
-    </p:ext>
-  </p:extLst>
-</p:sldLayout>
-</file>
-
 <file path=ppt/slideLayouts/slideLayout5.xml><?xml version="1.0" encoding="utf-8"?>
 <p:sldLayout xmlns:a="http://schemas.openxmlformats.org/drawingml/2006/main" xmlns:r="http://schemas.openxmlformats.org/officeDocument/2006/relationships" xmlns:p="http://schemas.openxmlformats.org/presentationml/2006/main" preserve="1" userDrawn="1">
   <p:cSld name="Blank">
@@ -37043,8 +35942,6 @@
     <p:sldLayoutId id="2147484147" r:id="rId40"/>
     <p:sldLayoutId id="2147483934" r:id="rId41"/>
     <p:sldLayoutId id="2147484153" r:id="rId42"/>
-    <p:sldLayoutId id="2147484154" r:id="rId43"/>
-    <p:sldLayoutId id="2147484155" r:id="rId44"/>
   </p:sldLayoutIdLst>
   <mc:AlternateContent xmlns:mc="http://schemas.openxmlformats.org/markup-compatibility/2006" xmlns:p14="http://schemas.microsoft.com/office/powerpoint/2010/main">
     <mc:Choice Requires="p14">
@@ -37463,1397 +36360,10 @@
       </p:grpSpPr>
       <p:sp>
         <p:nvSpPr>
-          <p:cNvPr id="3" name="Title 2">
-            <a:extLst>
-              <a:ext uri="{FF2B5EF4-FFF2-40B4-BE49-F238E27FC236}">
-                <a16:creationId xmlns:a16="http://schemas.microsoft.com/office/drawing/2014/main" id="{2584845F-75C2-415A-8317-9BE337A0A649}"/>
-              </a:ext>
-            </a:extLst>
-          </p:cNvPr>
-          <p:cNvSpPr>
-            <a:spLocks noGrp="1"/>
-          </p:cNvSpPr>
-          <p:nvPr>
-            <p:ph type="ctrTitle"/>
-          </p:nvPr>
-        </p:nvSpPr>
-        <p:spPr bwMode="gray"/>
-        <p:txBody>
-          <a:bodyPr/>
-          <a:lstStyle/>
-          <a:p>
-            <a:r>
-              <a:rPr lang="en-US" dirty="0"/>
-              <a:t>Corporate </a:t>
-            </a:r>
-            <a:r>
-              <a:rPr lang="en-US" spc="-400" dirty="0"/>
-              <a:t>1</a:t>
-            </a:r>
-            <a:r>
-              <a:rPr lang="en-US" dirty="0"/>
-              <a:t>6x9</a:t>
-            </a:r>
-            <a:br>
-              <a:rPr lang="en-US" dirty="0"/>
-            </a:br>
-            <a:r>
-              <a:rPr lang="en-US" dirty="0"/>
-              <a:t>Simplified External </a:t>
-            </a:r>
-            <a:r>
-              <a:rPr lang="en-US" spc="-700" dirty="0"/>
-              <a:t>T</a:t>
-            </a:r>
-            <a:r>
-              <a:rPr lang="en-US" dirty="0"/>
-              <a:t>emplate</a:t>
-            </a:r>
-          </a:p>
-        </p:txBody>
-      </p:sp>
-      <p:sp>
-        <p:nvSpPr>
-          <p:cNvPr id="47" name="Text Placeholder 46">
-            <a:extLst>
-              <a:ext uri="{FF2B5EF4-FFF2-40B4-BE49-F238E27FC236}">
-                <a16:creationId xmlns:a16="http://schemas.microsoft.com/office/drawing/2014/main" id="{938A968C-5DDC-4091-9567-74EF32CFAE27}"/>
-              </a:ext>
-            </a:extLst>
-          </p:cNvPr>
-          <p:cNvSpPr>
-            <a:spLocks noGrp="1"/>
-          </p:cNvSpPr>
-          <p:nvPr>
-            <p:ph type="body" sz="quarter" idx="10"/>
-          </p:nvPr>
-        </p:nvSpPr>
-        <p:spPr bwMode="gray"/>
-        <p:txBody>
-          <a:bodyPr/>
-          <a:lstStyle/>
-          <a:p>
-            <a:r>
-              <a:rPr lang="en-US"/>
-              <a:t>Speaker name</a:t>
-            </a:r>
-          </a:p>
-          <a:p>
-            <a:pPr lvl="1"/>
-            <a:r>
-              <a:rPr lang="en-US"/>
-              <a:t>Speaker title</a:t>
-            </a:r>
-          </a:p>
-          <a:p>
-            <a:pPr lvl="1"/>
-            <a:r>
-              <a:rPr lang="en-US"/>
-              <a:t>Employing entity</a:t>
-            </a:r>
-            <a:endParaRPr lang="en-US" dirty="0"/>
-          </a:p>
-        </p:txBody>
-      </p:sp>
-      <p:sp>
-        <p:nvSpPr>
-          <p:cNvPr id="2" name="Text Placeholder 1">
-            <a:extLst>
-              <a:ext uri="{FF2B5EF4-FFF2-40B4-BE49-F238E27FC236}">
-                <a16:creationId xmlns:a16="http://schemas.microsoft.com/office/drawing/2014/main" id="{5D7A004E-C228-4745-8818-34236680C1A8}"/>
-              </a:ext>
-            </a:extLst>
-          </p:cNvPr>
-          <p:cNvSpPr>
-            <a:spLocks noGrp="1"/>
-          </p:cNvSpPr>
-          <p:nvPr>
-            <p:ph type="body" sz="quarter" idx="11"/>
-          </p:nvPr>
-        </p:nvSpPr>
-        <p:spPr/>
-        <p:txBody>
-          <a:bodyPr/>
-          <a:lstStyle/>
-          <a:p>
-            <a:r>
-              <a:rPr lang="en-US" dirty="0"/>
-              <a:t>@</a:t>
-            </a:r>
-            <a:r>
-              <a:rPr lang="en-US" dirty="0" err="1"/>
-              <a:t>qualcomm</a:t>
-            </a:r>
-            <a:endParaRPr lang="en-US" dirty="0"/>
-          </a:p>
-        </p:txBody>
-      </p:sp>
-      <p:sp>
-        <p:nvSpPr>
-          <p:cNvPr id="4" name="Text Placeholder 3">
-            <a:extLst>
-              <a:ext uri="{FF2B5EF4-FFF2-40B4-BE49-F238E27FC236}">
-                <a16:creationId xmlns:a16="http://schemas.microsoft.com/office/drawing/2014/main" id="{B53E5127-C7EC-48AB-B594-2DE8E92A68C7}"/>
-              </a:ext>
-            </a:extLst>
-          </p:cNvPr>
-          <p:cNvSpPr>
-            <a:spLocks noGrp="1"/>
-          </p:cNvSpPr>
-          <p:nvPr>
-            <p:ph type="body" sz="quarter" idx="13"/>
-          </p:nvPr>
-        </p:nvSpPr>
-        <p:spPr/>
-        <p:txBody>
-          <a:bodyPr/>
-          <a:lstStyle/>
-          <a:p>
-            <a:r>
-              <a:rPr lang="en-US" dirty="0"/>
-              <a:t>Date</a:t>
-            </a:r>
-          </a:p>
-        </p:txBody>
-      </p:sp>
-      <p:sp>
-        <p:nvSpPr>
-          <p:cNvPr id="15" name="Text Placeholder 14">
-            <a:extLst>
-              <a:ext uri="{FF2B5EF4-FFF2-40B4-BE49-F238E27FC236}">
-                <a16:creationId xmlns:a16="http://schemas.microsoft.com/office/drawing/2014/main" id="{24A4A84E-A111-4BD1-A2FB-CE7465E3A8C7}"/>
-              </a:ext>
-            </a:extLst>
-          </p:cNvPr>
-          <p:cNvSpPr>
-            <a:spLocks noGrp="1"/>
-          </p:cNvSpPr>
-          <p:nvPr>
-            <p:ph type="body" sz="quarter" idx="14"/>
-          </p:nvPr>
-        </p:nvSpPr>
-        <p:spPr/>
-        <p:txBody>
-          <a:bodyPr/>
-          <a:lstStyle/>
-          <a:p>
-            <a:r>
-              <a:rPr lang="en-US" dirty="0"/>
-              <a:t>Location</a:t>
-            </a:r>
-          </a:p>
-        </p:txBody>
-      </p:sp>
-      <p:grpSp>
-        <p:nvGrpSpPr>
-          <p:cNvPr id="5" name="Group 4">
-            <a:extLst>
-              <a:ext uri="{FF2B5EF4-FFF2-40B4-BE49-F238E27FC236}">
-                <a16:creationId xmlns:a16="http://schemas.microsoft.com/office/drawing/2014/main" id="{E2D9A65C-4B85-44BB-AB01-D646E7051B03}"/>
-              </a:ext>
-            </a:extLst>
-          </p:cNvPr>
-          <p:cNvGrpSpPr>
-            <a:grpSpLocks noChangeAspect="1"/>
-          </p:cNvGrpSpPr>
-          <p:nvPr/>
-        </p:nvGrpSpPr>
-        <p:grpSpPr>
-          <a:xfrm>
-            <a:off x="10944595" y="5505630"/>
-            <a:ext cx="752482" cy="850392"/>
-            <a:chOff x="6398827" y="1835394"/>
-            <a:chExt cx="628176" cy="709911"/>
-          </a:xfrm>
-          <a:solidFill>
-            <a:schemeClr val="accent1"/>
-          </a:solidFill>
-        </p:grpSpPr>
-        <p:grpSp>
-          <p:nvGrpSpPr>
-            <p:cNvPr id="6" name="Group 5">
-              <a:extLst>
-                <a:ext uri="{FF2B5EF4-FFF2-40B4-BE49-F238E27FC236}">
-                  <a16:creationId xmlns:a16="http://schemas.microsoft.com/office/drawing/2014/main" id="{9C3567E8-0442-4712-B064-EFD15CF5AFF3}"/>
-                </a:ext>
-              </a:extLst>
-            </p:cNvPr>
-            <p:cNvGrpSpPr/>
-            <p:nvPr/>
-          </p:nvGrpSpPr>
-          <p:grpSpPr>
-            <a:xfrm>
-              <a:off x="6398827" y="1835394"/>
-              <a:ext cx="241270" cy="237296"/>
-              <a:chOff x="6867716" y="2333578"/>
-              <a:chExt cx="159287" cy="156665"/>
-            </a:xfrm>
-            <a:grpFill/>
-          </p:grpSpPr>
-          <p:sp>
-            <p:nvSpPr>
-              <p:cNvPr id="12" name="Freeform: Shape 11">
-                <a:extLst>
-                  <a:ext uri="{FF2B5EF4-FFF2-40B4-BE49-F238E27FC236}">
-                    <a16:creationId xmlns:a16="http://schemas.microsoft.com/office/drawing/2014/main" id="{A05D8388-8A5A-4651-BBB7-314099C4B985}"/>
-                  </a:ext>
-                </a:extLst>
-              </p:cNvPr>
-              <p:cNvSpPr>
-                <a:spLocks noChangeArrowheads="1"/>
-              </p:cNvSpPr>
-              <p:nvPr/>
-            </p:nvSpPr>
-            <p:spPr bwMode="auto">
-              <a:xfrm>
-                <a:off x="6867716" y="2333578"/>
-                <a:ext cx="159287" cy="156665"/>
-              </a:xfrm>
-              <a:custGeom>
-                <a:avLst/>
-                <a:gdLst>
-                  <a:gd name="connsiteX0" fmla="*/ 385763 w 771525"/>
-                  <a:gd name="connsiteY0" fmla="*/ 23813 h 758825"/>
-                  <a:gd name="connsiteX1" fmla="*/ 25400 w 771525"/>
-                  <a:gd name="connsiteY1" fmla="*/ 379413 h 758825"/>
-                  <a:gd name="connsiteX2" fmla="*/ 385763 w 771525"/>
-                  <a:gd name="connsiteY2" fmla="*/ 735013 h 758825"/>
-                  <a:gd name="connsiteX3" fmla="*/ 746126 w 771525"/>
-                  <a:gd name="connsiteY3" fmla="*/ 379413 h 758825"/>
-                  <a:gd name="connsiteX4" fmla="*/ 385763 w 771525"/>
-                  <a:gd name="connsiteY4" fmla="*/ 23813 h 758825"/>
-                  <a:gd name="connsiteX5" fmla="*/ 385763 w 771525"/>
-                  <a:gd name="connsiteY5" fmla="*/ 0 h 758825"/>
-                  <a:gd name="connsiteX6" fmla="*/ 535880 w 771525"/>
-                  <a:gd name="connsiteY6" fmla="*/ 29697 h 758825"/>
-                  <a:gd name="connsiteX7" fmla="*/ 658380 w 771525"/>
-                  <a:gd name="connsiteY7" fmla="*/ 111253 h 758825"/>
-                  <a:gd name="connsiteX8" fmla="*/ 741234 w 771525"/>
-                  <a:gd name="connsiteY8" fmla="*/ 231814 h 758825"/>
-                  <a:gd name="connsiteX9" fmla="*/ 771525 w 771525"/>
-                  <a:gd name="connsiteY9" fmla="*/ 379413 h 758825"/>
-                  <a:gd name="connsiteX10" fmla="*/ 741234 w 771525"/>
-                  <a:gd name="connsiteY10" fmla="*/ 527011 h 758825"/>
-                  <a:gd name="connsiteX11" fmla="*/ 658380 w 771525"/>
-                  <a:gd name="connsiteY11" fmla="*/ 648015 h 758825"/>
-                  <a:gd name="connsiteX12" fmla="*/ 535880 w 771525"/>
-                  <a:gd name="connsiteY12" fmla="*/ 729128 h 758825"/>
-                  <a:gd name="connsiteX13" fmla="*/ 385763 w 771525"/>
-                  <a:gd name="connsiteY13" fmla="*/ 758825 h 758825"/>
-                  <a:gd name="connsiteX14" fmla="*/ 235645 w 771525"/>
-                  <a:gd name="connsiteY14" fmla="*/ 729128 h 758825"/>
-                  <a:gd name="connsiteX15" fmla="*/ 112700 w 771525"/>
-                  <a:gd name="connsiteY15" fmla="*/ 648015 h 758825"/>
-                  <a:gd name="connsiteX16" fmla="*/ 30291 w 771525"/>
-                  <a:gd name="connsiteY16" fmla="*/ 527011 h 758825"/>
-                  <a:gd name="connsiteX17" fmla="*/ 0 w 771525"/>
-                  <a:gd name="connsiteY17" fmla="*/ 379413 h 758825"/>
-                  <a:gd name="connsiteX18" fmla="*/ 30291 w 771525"/>
-                  <a:gd name="connsiteY18" fmla="*/ 231814 h 758825"/>
-                  <a:gd name="connsiteX19" fmla="*/ 112700 w 771525"/>
-                  <a:gd name="connsiteY19" fmla="*/ 111253 h 758825"/>
-                  <a:gd name="connsiteX20" fmla="*/ 235645 w 771525"/>
-                  <a:gd name="connsiteY20" fmla="*/ 29697 h 758825"/>
-                  <a:gd name="connsiteX21" fmla="*/ 385763 w 771525"/>
-                  <a:gd name="connsiteY21" fmla="*/ 0 h 758825"/>
-                </a:gdLst>
-                <a:ahLst/>
-                <a:cxnLst>
-                  <a:cxn ang="0">
-                    <a:pos x="connsiteX0" y="connsiteY0"/>
-                  </a:cxn>
-                  <a:cxn ang="0">
-                    <a:pos x="connsiteX1" y="connsiteY1"/>
-                  </a:cxn>
-                  <a:cxn ang="0">
-                    <a:pos x="connsiteX2" y="connsiteY2"/>
-                  </a:cxn>
-                  <a:cxn ang="0">
-                    <a:pos x="connsiteX3" y="connsiteY3"/>
-                  </a:cxn>
-                  <a:cxn ang="0">
-                    <a:pos x="connsiteX4" y="connsiteY4"/>
-                  </a:cxn>
-                  <a:cxn ang="0">
-                    <a:pos x="connsiteX5" y="connsiteY5"/>
-                  </a:cxn>
-                  <a:cxn ang="0">
-                    <a:pos x="connsiteX6" y="connsiteY6"/>
-                  </a:cxn>
-                  <a:cxn ang="0">
-                    <a:pos x="connsiteX7" y="connsiteY7"/>
-                  </a:cxn>
-                  <a:cxn ang="0">
-                    <a:pos x="connsiteX8" y="connsiteY8"/>
-                  </a:cxn>
-                  <a:cxn ang="0">
-                    <a:pos x="connsiteX9" y="connsiteY9"/>
-                  </a:cxn>
-                  <a:cxn ang="0">
-                    <a:pos x="connsiteX10" y="connsiteY10"/>
-                  </a:cxn>
-                  <a:cxn ang="0">
-                    <a:pos x="connsiteX11" y="connsiteY11"/>
-                  </a:cxn>
-                  <a:cxn ang="0">
-                    <a:pos x="connsiteX12" y="connsiteY12"/>
-                  </a:cxn>
-                  <a:cxn ang="0">
-                    <a:pos x="connsiteX13" y="connsiteY13"/>
-                  </a:cxn>
-                  <a:cxn ang="0">
-                    <a:pos x="connsiteX14" y="connsiteY14"/>
-                  </a:cxn>
-                  <a:cxn ang="0">
-                    <a:pos x="connsiteX15" y="connsiteY15"/>
-                  </a:cxn>
-                  <a:cxn ang="0">
-                    <a:pos x="connsiteX16" y="connsiteY16"/>
-                  </a:cxn>
-                  <a:cxn ang="0">
-                    <a:pos x="connsiteX17" y="connsiteY17"/>
-                  </a:cxn>
-                  <a:cxn ang="0">
-                    <a:pos x="connsiteX18" y="connsiteY18"/>
-                  </a:cxn>
-                  <a:cxn ang="0">
-                    <a:pos x="connsiteX19" y="connsiteY19"/>
-                  </a:cxn>
-                  <a:cxn ang="0">
-                    <a:pos x="connsiteX20" y="connsiteY20"/>
-                  </a:cxn>
-                  <a:cxn ang="0">
-                    <a:pos x="connsiteX21" y="connsiteY21"/>
-                  </a:cxn>
-                </a:cxnLst>
-                <a:rect l="l" t="t" r="r" b="b"/>
-                <a:pathLst>
-                  <a:path w="771525" h="758825">
-                    <a:moveTo>
-                      <a:pt x="385763" y="23813"/>
-                    </a:moveTo>
-                    <a:cubicBezTo>
-                      <a:pt x="186740" y="23813"/>
-                      <a:pt x="25400" y="183021"/>
-                      <a:pt x="25400" y="379413"/>
-                    </a:cubicBezTo>
-                    <a:cubicBezTo>
-                      <a:pt x="25400" y="575805"/>
-                      <a:pt x="186740" y="735013"/>
-                      <a:pt x="385763" y="735013"/>
-                    </a:cubicBezTo>
-                    <a:cubicBezTo>
-                      <a:pt x="584786" y="735013"/>
-                      <a:pt x="746126" y="575805"/>
-                      <a:pt x="746126" y="379413"/>
-                    </a:cubicBezTo>
-                    <a:cubicBezTo>
-                      <a:pt x="746126" y="183021"/>
-                      <a:pt x="584786" y="23813"/>
-                      <a:pt x="385763" y="23813"/>
-                    </a:cubicBezTo>
-                    <a:close/>
-                    <a:moveTo>
-                      <a:pt x="385763" y="0"/>
-                    </a:moveTo>
-                    <a:cubicBezTo>
-                      <a:pt x="437881" y="0"/>
-                      <a:pt x="488217" y="9751"/>
-                      <a:pt x="535880" y="29697"/>
-                    </a:cubicBezTo>
-                    <a:cubicBezTo>
-                      <a:pt x="581762" y="48756"/>
-                      <a:pt x="623189" y="76237"/>
-                      <a:pt x="658380" y="111253"/>
-                    </a:cubicBezTo>
-                    <a:cubicBezTo>
-                      <a:pt x="694016" y="145826"/>
-                      <a:pt x="721634" y="186604"/>
-                      <a:pt x="741234" y="231814"/>
-                    </a:cubicBezTo>
-                    <a:cubicBezTo>
-                      <a:pt x="761280" y="278354"/>
-                      <a:pt x="771525" y="328440"/>
-                      <a:pt x="771525" y="379413"/>
-                    </a:cubicBezTo>
-                    <a:cubicBezTo>
-                      <a:pt x="771525" y="430828"/>
-                      <a:pt x="761280" y="480471"/>
-                      <a:pt x="741234" y="527011"/>
-                    </a:cubicBezTo>
-                    <a:cubicBezTo>
-                      <a:pt x="721634" y="572222"/>
-                      <a:pt x="694016" y="613000"/>
-                      <a:pt x="658380" y="648015"/>
-                    </a:cubicBezTo>
-                    <a:cubicBezTo>
-                      <a:pt x="623189" y="682588"/>
-                      <a:pt x="581762" y="710069"/>
-                      <a:pt x="535880" y="729128"/>
-                    </a:cubicBezTo>
-                    <a:cubicBezTo>
-                      <a:pt x="488217" y="749074"/>
-                      <a:pt x="437881" y="758825"/>
-                      <a:pt x="385763" y="758825"/>
-                    </a:cubicBezTo>
-                    <a:cubicBezTo>
-                      <a:pt x="333645" y="758825"/>
-                      <a:pt x="283308" y="749074"/>
-                      <a:pt x="235645" y="729128"/>
-                    </a:cubicBezTo>
-                    <a:cubicBezTo>
-                      <a:pt x="189318" y="710069"/>
-                      <a:pt x="148336" y="682588"/>
-                      <a:pt x="112700" y="648015"/>
-                    </a:cubicBezTo>
-                    <a:cubicBezTo>
-                      <a:pt x="77509" y="613000"/>
-                      <a:pt x="49446" y="572222"/>
-                      <a:pt x="30291" y="527011"/>
-                    </a:cubicBezTo>
-                    <a:cubicBezTo>
-                      <a:pt x="9800" y="480471"/>
-                      <a:pt x="0" y="430828"/>
-                      <a:pt x="0" y="379413"/>
-                    </a:cubicBezTo>
-                    <a:cubicBezTo>
-                      <a:pt x="0" y="328440"/>
-                      <a:pt x="9800" y="278354"/>
-                      <a:pt x="30291" y="231814"/>
-                    </a:cubicBezTo>
-                    <a:cubicBezTo>
-                      <a:pt x="49446" y="186604"/>
-                      <a:pt x="77509" y="145826"/>
-                      <a:pt x="112700" y="111253"/>
-                    </a:cubicBezTo>
-                    <a:cubicBezTo>
-                      <a:pt x="148336" y="76237"/>
-                      <a:pt x="189318" y="48756"/>
-                      <a:pt x="235645" y="29697"/>
-                    </a:cubicBezTo>
-                    <a:cubicBezTo>
-                      <a:pt x="283308" y="9751"/>
-                      <a:pt x="333645" y="0"/>
-                      <a:pt x="385763" y="0"/>
-                    </a:cubicBezTo>
-                    <a:close/>
-                  </a:path>
-                </a:pathLst>
-              </a:custGeom>
-              <a:grpFill/>
-              <a:ln>
-                <a:noFill/>
-              </a:ln>
-            </p:spPr>
-            <p:txBody>
-              <a:bodyPr vert="horz" wrap="square" lIns="91440" tIns="45720" rIns="91440" bIns="45720" numCol="1" anchor="t" anchorCtr="0" compatLnSpc="1">
-                <a:prstTxWarp prst="textNoShape">
-                  <a:avLst/>
-                </a:prstTxWarp>
-                <a:noAutofit/>
-              </a:bodyPr>
-              <a:lstStyle/>
-              <a:p>
-                <a:endParaRPr lang="en-US"/>
-              </a:p>
-            </p:txBody>
-          </p:sp>
-          <p:sp>
-            <p:nvSpPr>
-              <p:cNvPr id="13" name="Oval 11">
-                <a:extLst>
-                  <a:ext uri="{FF2B5EF4-FFF2-40B4-BE49-F238E27FC236}">
-                    <a16:creationId xmlns:a16="http://schemas.microsoft.com/office/drawing/2014/main" id="{08122CC1-00A7-4393-BAAB-E77AA77ACF9A}"/>
-                  </a:ext>
-                </a:extLst>
-              </p:cNvPr>
-              <p:cNvSpPr>
-                <a:spLocks noChangeArrowheads="1"/>
-              </p:cNvSpPr>
-              <p:nvPr/>
-            </p:nvSpPr>
-            <p:spPr bwMode="auto">
-              <a:xfrm>
-                <a:off x="6897542" y="2362748"/>
-                <a:ext cx="98981" cy="97998"/>
-              </a:xfrm>
-              <a:prstGeom prst="ellipse">
-                <a:avLst/>
-              </a:prstGeom>
-              <a:solidFill>
-                <a:schemeClr val="accent2">
-                  <a:lumMod val="60000"/>
-                  <a:lumOff val="40000"/>
-                </a:schemeClr>
-              </a:solidFill>
-              <a:ln>
-                <a:noFill/>
-              </a:ln>
-            </p:spPr>
-            <p:txBody>
-              <a:bodyPr vert="horz" wrap="square" lIns="91440" tIns="45720" rIns="91440" bIns="45720" numCol="1" anchor="t" anchorCtr="0" compatLnSpc="1">
-                <a:prstTxWarp prst="textNoShape">
-                  <a:avLst/>
-                </a:prstTxWarp>
-              </a:bodyPr>
-              <a:lstStyle/>
-              <a:p>
-                <a:endParaRPr lang="en-US"/>
-              </a:p>
-            </p:txBody>
-          </p:sp>
-          <p:sp>
-            <p:nvSpPr>
-              <p:cNvPr id="14" name="Oval 12">
-                <a:extLst>
-                  <a:ext uri="{FF2B5EF4-FFF2-40B4-BE49-F238E27FC236}">
-                    <a16:creationId xmlns:a16="http://schemas.microsoft.com/office/drawing/2014/main" id="{01399F3D-C9A7-4CBA-B410-A14173CB0164}"/>
-                  </a:ext>
-                </a:extLst>
-              </p:cNvPr>
-              <p:cNvSpPr>
-                <a:spLocks noChangeArrowheads="1"/>
-              </p:cNvSpPr>
-              <p:nvPr/>
-            </p:nvSpPr>
-            <p:spPr bwMode="auto">
-              <a:xfrm>
-                <a:off x="6923106" y="2387001"/>
-                <a:ext cx="48179" cy="49490"/>
-              </a:xfrm>
-              <a:prstGeom prst="ellipse">
-                <a:avLst/>
-              </a:prstGeom>
-              <a:grpFill/>
-              <a:ln>
-                <a:noFill/>
-              </a:ln>
-            </p:spPr>
-            <p:txBody>
-              <a:bodyPr vert="horz" wrap="square" lIns="91440" tIns="45720" rIns="91440" bIns="45720" numCol="1" anchor="t" anchorCtr="0" compatLnSpc="1">
-                <a:prstTxWarp prst="textNoShape">
-                  <a:avLst/>
-                </a:prstTxWarp>
-              </a:bodyPr>
-              <a:lstStyle/>
-              <a:p>
-                <a:endParaRPr lang="en-US"/>
-              </a:p>
-            </p:txBody>
-          </p:sp>
-        </p:grpSp>
-        <p:sp>
-          <p:nvSpPr>
-            <p:cNvPr id="7" name="Freeform 8">
-              <a:extLst>
-                <a:ext uri="{FF2B5EF4-FFF2-40B4-BE49-F238E27FC236}">
-                  <a16:creationId xmlns:a16="http://schemas.microsoft.com/office/drawing/2014/main" id="{1C09A91F-B65C-4079-9F92-6005654D94DC}"/>
-                </a:ext>
-              </a:extLst>
-            </p:cNvPr>
-            <p:cNvSpPr>
-              <a:spLocks/>
-            </p:cNvSpPr>
-            <p:nvPr/>
-          </p:nvSpPr>
-          <p:spPr bwMode="auto">
-            <a:xfrm>
-              <a:off x="6456717" y="1919301"/>
-              <a:ext cx="544066" cy="626004"/>
-            </a:xfrm>
-            <a:custGeom>
-              <a:avLst/>
-              <a:gdLst>
-                <a:gd name="T0" fmla="*/ 4523 w 5913"/>
-                <a:gd name="T1" fmla="*/ 5373 h 6827"/>
-                <a:gd name="T2" fmla="*/ 5321 w 5913"/>
-                <a:gd name="T3" fmla="*/ 4573 h 6827"/>
-                <a:gd name="T4" fmla="*/ 5321 w 5913"/>
-                <a:gd name="T5" fmla="*/ 3902 h 6827"/>
-                <a:gd name="T6" fmla="*/ 5669 w 5913"/>
-                <a:gd name="T7" fmla="*/ 3902 h 6827"/>
-                <a:gd name="T8" fmla="*/ 5913 w 5913"/>
-                <a:gd name="T9" fmla="*/ 3668 h 6827"/>
-                <a:gd name="T10" fmla="*/ 5836 w 5913"/>
-                <a:gd name="T11" fmla="*/ 3489 h 6827"/>
-                <a:gd name="T12" fmla="*/ 5128 w 5913"/>
-                <a:gd name="T13" fmla="*/ 2912 h 6827"/>
-                <a:gd name="T14" fmla="*/ 5128 w 5913"/>
-                <a:gd name="T15" fmla="*/ 1484 h 6827"/>
-                <a:gd name="T16" fmla="*/ 5025 w 5913"/>
-                <a:gd name="T17" fmla="*/ 1389 h 6827"/>
-                <a:gd name="T18" fmla="*/ 4433 w 5913"/>
-                <a:gd name="T19" fmla="*/ 1389 h 6827"/>
-                <a:gd name="T20" fmla="*/ 4336 w 5913"/>
-                <a:gd name="T21" fmla="*/ 1484 h 6827"/>
-                <a:gd name="T22" fmla="*/ 4336 w 5913"/>
-                <a:gd name="T23" fmla="*/ 2272 h 6827"/>
-                <a:gd name="T24" fmla="*/ 3126 w 5913"/>
-                <a:gd name="T25" fmla="*/ 1289 h 6827"/>
-                <a:gd name="T26" fmla="*/ 2960 w 5913"/>
-                <a:gd name="T27" fmla="*/ 1219 h 6827"/>
-                <a:gd name="T28" fmla="*/ 2785 w 5913"/>
-                <a:gd name="T29" fmla="*/ 1289 h 6827"/>
-                <a:gd name="T30" fmla="*/ 794 w 5913"/>
-                <a:gd name="T31" fmla="*/ 2909 h 6827"/>
-                <a:gd name="T32" fmla="*/ 794 w 5913"/>
-                <a:gd name="T33" fmla="*/ 746 h 6827"/>
-                <a:gd name="T34" fmla="*/ 1078 w 5913"/>
-                <a:gd name="T35" fmla="*/ 376 h 6827"/>
-                <a:gd name="T36" fmla="*/ 698 w 5913"/>
-                <a:gd name="T37" fmla="*/ 0 h 6827"/>
-                <a:gd name="T38" fmla="*/ 312 w 5913"/>
-                <a:gd name="T39" fmla="*/ 376 h 6827"/>
-                <a:gd name="T40" fmla="*/ 601 w 5913"/>
-                <a:gd name="T41" fmla="*/ 746 h 6827"/>
-                <a:gd name="T42" fmla="*/ 601 w 5913"/>
-                <a:gd name="T43" fmla="*/ 3067 h 6827"/>
-                <a:gd name="T44" fmla="*/ 83 w 5913"/>
-                <a:gd name="T45" fmla="*/ 3489 h 6827"/>
-                <a:gd name="T46" fmla="*/ 0 w 5913"/>
-                <a:gd name="T47" fmla="*/ 3668 h 6827"/>
-                <a:gd name="T48" fmla="*/ 245 w 5913"/>
-                <a:gd name="T49" fmla="*/ 3902 h 6827"/>
-                <a:gd name="T50" fmla="*/ 593 w 5913"/>
-                <a:gd name="T51" fmla="*/ 3902 h 6827"/>
-                <a:gd name="T52" fmla="*/ 593 w 5913"/>
-                <a:gd name="T53" fmla="*/ 3914 h 6827"/>
-                <a:gd name="T54" fmla="*/ 593 w 5913"/>
-                <a:gd name="T55" fmla="*/ 6636 h 6827"/>
-                <a:gd name="T56" fmla="*/ 791 w 5913"/>
-                <a:gd name="T57" fmla="*/ 6827 h 6827"/>
-                <a:gd name="T58" fmla="*/ 5128 w 5913"/>
-                <a:gd name="T59" fmla="*/ 6827 h 6827"/>
-                <a:gd name="T60" fmla="*/ 5321 w 5913"/>
-                <a:gd name="T61" fmla="*/ 6636 h 6827"/>
-                <a:gd name="T62" fmla="*/ 5321 w 5913"/>
-                <a:gd name="T63" fmla="*/ 6173 h 6827"/>
-                <a:gd name="T64" fmla="*/ 4523 w 5913"/>
-                <a:gd name="T65" fmla="*/ 5373 h 6827"/>
-              </a:gdLst>
-              <a:ahLst/>
-              <a:cxnLst>
-                <a:cxn ang="0">
-                  <a:pos x="T0" y="T1"/>
-                </a:cxn>
-                <a:cxn ang="0">
-                  <a:pos x="T2" y="T3"/>
-                </a:cxn>
-                <a:cxn ang="0">
-                  <a:pos x="T4" y="T5"/>
-                </a:cxn>
-                <a:cxn ang="0">
-                  <a:pos x="T6" y="T7"/>
-                </a:cxn>
-                <a:cxn ang="0">
-                  <a:pos x="T8" y="T9"/>
-                </a:cxn>
-                <a:cxn ang="0">
-                  <a:pos x="T10" y="T11"/>
-                </a:cxn>
-                <a:cxn ang="0">
-                  <a:pos x="T12" y="T13"/>
-                </a:cxn>
-                <a:cxn ang="0">
-                  <a:pos x="T14" y="T15"/>
-                </a:cxn>
-                <a:cxn ang="0">
-                  <a:pos x="T16" y="T17"/>
-                </a:cxn>
-                <a:cxn ang="0">
-                  <a:pos x="T18" y="T19"/>
-                </a:cxn>
-                <a:cxn ang="0">
-                  <a:pos x="T20" y="T21"/>
-                </a:cxn>
-                <a:cxn ang="0">
-                  <a:pos x="T22" y="T23"/>
-                </a:cxn>
-                <a:cxn ang="0">
-                  <a:pos x="T24" y="T25"/>
-                </a:cxn>
-                <a:cxn ang="0">
-                  <a:pos x="T26" y="T27"/>
-                </a:cxn>
-                <a:cxn ang="0">
-                  <a:pos x="T28" y="T29"/>
-                </a:cxn>
-                <a:cxn ang="0">
-                  <a:pos x="T30" y="T31"/>
-                </a:cxn>
-                <a:cxn ang="0">
-                  <a:pos x="T32" y="T33"/>
-                </a:cxn>
-                <a:cxn ang="0">
-                  <a:pos x="T34" y="T35"/>
-                </a:cxn>
-                <a:cxn ang="0">
-                  <a:pos x="T36" y="T37"/>
-                </a:cxn>
-                <a:cxn ang="0">
-                  <a:pos x="T38" y="T39"/>
-                </a:cxn>
-                <a:cxn ang="0">
-                  <a:pos x="T40" y="T41"/>
-                </a:cxn>
-                <a:cxn ang="0">
-                  <a:pos x="T42" y="T43"/>
-                </a:cxn>
-                <a:cxn ang="0">
-                  <a:pos x="T44" y="T45"/>
-                </a:cxn>
-                <a:cxn ang="0">
-                  <a:pos x="T46" y="T47"/>
-                </a:cxn>
-                <a:cxn ang="0">
-                  <a:pos x="T48" y="T49"/>
-                </a:cxn>
-                <a:cxn ang="0">
-                  <a:pos x="T50" y="T51"/>
-                </a:cxn>
-                <a:cxn ang="0">
-                  <a:pos x="T52" y="T53"/>
-                </a:cxn>
-                <a:cxn ang="0">
-                  <a:pos x="T54" y="T55"/>
-                </a:cxn>
-                <a:cxn ang="0">
-                  <a:pos x="T56" y="T57"/>
-                </a:cxn>
-                <a:cxn ang="0">
-                  <a:pos x="T58" y="T59"/>
-                </a:cxn>
-                <a:cxn ang="0">
-                  <a:pos x="T60" y="T61"/>
-                </a:cxn>
-                <a:cxn ang="0">
-                  <a:pos x="T62" y="T63"/>
-                </a:cxn>
-                <a:cxn ang="0">
-                  <a:pos x="T64" y="T65"/>
-                </a:cxn>
-              </a:cxnLst>
-              <a:rect l="0" t="0" r="r" b="b"/>
-              <a:pathLst>
-                <a:path w="5913" h="6827">
-                  <a:moveTo>
-                    <a:pt x="4523" y="5373"/>
-                  </a:moveTo>
-                  <a:cubicBezTo>
-                    <a:pt x="4523" y="4936"/>
-                    <a:pt x="4880" y="4579"/>
-                    <a:pt x="5321" y="4573"/>
-                  </a:cubicBezTo>
-                  <a:cubicBezTo>
-                    <a:pt x="5321" y="4189"/>
-                    <a:pt x="5321" y="3905"/>
-                    <a:pt x="5321" y="3902"/>
-                  </a:cubicBezTo>
-                  <a:cubicBezTo>
-                    <a:pt x="5669" y="3902"/>
-                    <a:pt x="5669" y="3902"/>
-                    <a:pt x="5669" y="3902"/>
-                  </a:cubicBezTo>
-                  <a:cubicBezTo>
-                    <a:pt x="5804" y="3902"/>
-                    <a:pt x="5913" y="3800"/>
-                    <a:pt x="5913" y="3668"/>
-                  </a:cubicBezTo>
-                  <a:cubicBezTo>
-                    <a:pt x="5913" y="3598"/>
-                    <a:pt x="5887" y="3535"/>
-                    <a:pt x="5836" y="3489"/>
-                  </a:cubicBezTo>
-                  <a:cubicBezTo>
-                    <a:pt x="5128" y="2912"/>
-                    <a:pt x="5128" y="2912"/>
-                    <a:pt x="5128" y="2912"/>
-                  </a:cubicBezTo>
-                  <a:cubicBezTo>
-                    <a:pt x="5128" y="1484"/>
-                    <a:pt x="5128" y="1484"/>
-                    <a:pt x="5128" y="1484"/>
-                  </a:cubicBezTo>
-                  <a:cubicBezTo>
-                    <a:pt x="5128" y="1434"/>
-                    <a:pt x="5083" y="1389"/>
-                    <a:pt x="5025" y="1389"/>
-                  </a:cubicBezTo>
-                  <a:cubicBezTo>
-                    <a:pt x="4433" y="1389"/>
-                    <a:pt x="4433" y="1389"/>
-                    <a:pt x="4433" y="1389"/>
-                  </a:cubicBezTo>
-                  <a:cubicBezTo>
-                    <a:pt x="4382" y="1389"/>
-                    <a:pt x="4336" y="1434"/>
-                    <a:pt x="4336" y="1484"/>
-                  </a:cubicBezTo>
-                  <a:cubicBezTo>
-                    <a:pt x="4336" y="2272"/>
-                    <a:pt x="4336" y="2272"/>
-                    <a:pt x="4336" y="2272"/>
-                  </a:cubicBezTo>
-                  <a:cubicBezTo>
-                    <a:pt x="3126" y="1289"/>
-                    <a:pt x="3126" y="1289"/>
-                    <a:pt x="3126" y="1289"/>
-                  </a:cubicBezTo>
-                  <a:cubicBezTo>
-                    <a:pt x="3083" y="1243"/>
-                    <a:pt x="3024" y="1219"/>
-                    <a:pt x="2960" y="1219"/>
-                  </a:cubicBezTo>
-                  <a:cubicBezTo>
-                    <a:pt x="2889" y="1219"/>
-                    <a:pt x="2831" y="1243"/>
-                    <a:pt x="2785" y="1289"/>
-                  </a:cubicBezTo>
-                  <a:cubicBezTo>
-                    <a:pt x="1815" y="2079"/>
-                    <a:pt x="1193" y="2585"/>
-                    <a:pt x="794" y="2909"/>
-                  </a:cubicBezTo>
-                  <a:cubicBezTo>
-                    <a:pt x="794" y="2591"/>
-                    <a:pt x="794" y="1961"/>
-                    <a:pt x="794" y="746"/>
-                  </a:cubicBezTo>
-                  <a:cubicBezTo>
-                    <a:pt x="955" y="701"/>
-                    <a:pt x="1078" y="555"/>
-                    <a:pt x="1078" y="376"/>
-                  </a:cubicBezTo>
-                  <a:cubicBezTo>
-                    <a:pt x="1078" y="166"/>
-                    <a:pt x="910" y="0"/>
-                    <a:pt x="698" y="0"/>
-                  </a:cubicBezTo>
-                  <a:cubicBezTo>
-                    <a:pt x="485" y="0"/>
-                    <a:pt x="312" y="166"/>
-                    <a:pt x="312" y="376"/>
-                  </a:cubicBezTo>
-                  <a:cubicBezTo>
-                    <a:pt x="312" y="555"/>
-                    <a:pt x="434" y="701"/>
-                    <a:pt x="601" y="746"/>
-                  </a:cubicBezTo>
-                  <a:cubicBezTo>
-                    <a:pt x="601" y="746"/>
-                    <a:pt x="601" y="1030"/>
-                    <a:pt x="601" y="3067"/>
-                  </a:cubicBezTo>
-                  <a:cubicBezTo>
-                    <a:pt x="83" y="3489"/>
-                    <a:pt x="83" y="3489"/>
-                    <a:pt x="83" y="3489"/>
-                  </a:cubicBezTo>
-                  <a:cubicBezTo>
-                    <a:pt x="33" y="3535"/>
-                    <a:pt x="0" y="3598"/>
-                    <a:pt x="0" y="3668"/>
-                  </a:cubicBezTo>
-                  <a:cubicBezTo>
-                    <a:pt x="0" y="3800"/>
-                    <a:pt x="110" y="3902"/>
-                    <a:pt x="245" y="3902"/>
-                  </a:cubicBezTo>
-                  <a:cubicBezTo>
-                    <a:pt x="593" y="3902"/>
-                    <a:pt x="593" y="3902"/>
-                    <a:pt x="593" y="3902"/>
-                  </a:cubicBezTo>
-                  <a:cubicBezTo>
-                    <a:pt x="593" y="3909"/>
-                    <a:pt x="593" y="3909"/>
-                    <a:pt x="593" y="3914"/>
-                  </a:cubicBezTo>
-                  <a:cubicBezTo>
-                    <a:pt x="593" y="6636"/>
-                    <a:pt x="593" y="6636"/>
-                    <a:pt x="593" y="6636"/>
-                  </a:cubicBezTo>
-                  <a:cubicBezTo>
-                    <a:pt x="593" y="6742"/>
-                    <a:pt x="682" y="6827"/>
-                    <a:pt x="791" y="6827"/>
-                  </a:cubicBezTo>
-                  <a:cubicBezTo>
-                    <a:pt x="5128" y="6827"/>
-                    <a:pt x="5128" y="6827"/>
-                    <a:pt x="5128" y="6827"/>
-                  </a:cubicBezTo>
-                  <a:cubicBezTo>
-                    <a:pt x="5238" y="6827"/>
-                    <a:pt x="5321" y="6742"/>
-                    <a:pt x="5321" y="6636"/>
-                  </a:cubicBezTo>
-                  <a:cubicBezTo>
-                    <a:pt x="5321" y="6636"/>
-                    <a:pt x="5321" y="6449"/>
-                    <a:pt x="5321" y="6173"/>
-                  </a:cubicBezTo>
-                  <a:cubicBezTo>
-                    <a:pt x="4880" y="6167"/>
-                    <a:pt x="4523" y="5811"/>
-                    <a:pt x="4523" y="5373"/>
-                  </a:cubicBezTo>
-                  <a:close/>
-                </a:path>
-              </a:pathLst>
-            </a:custGeom>
-            <a:grpFill/>
-            <a:ln>
-              <a:noFill/>
-            </a:ln>
-            <a:extLst>
-              <a:ext uri="{91240B29-F687-4F45-9708-019B960494DF}">
-                <a14:hiddenLine xmlns:a14="http://schemas.microsoft.com/office/drawing/2010/main" w="9525">
-                  <a:solidFill>
-                    <a:srgbClr val="000000"/>
-                  </a:solidFill>
-                  <a:round/>
-                  <a:headEnd/>
-                  <a:tailEnd/>
-                </a14:hiddenLine>
-              </a:ext>
-            </a:extLst>
-          </p:spPr>
-          <p:txBody>
-            <a:bodyPr vert="horz" wrap="square" lIns="91440" tIns="45720" rIns="91440" bIns="45720" numCol="1" anchor="t" anchorCtr="0" compatLnSpc="1">
-              <a:prstTxWarp prst="textNoShape">
-                <a:avLst/>
-              </a:prstTxWarp>
-            </a:bodyPr>
-            <a:lstStyle/>
-            <a:p>
-              <a:endParaRPr lang="en-US"/>
-            </a:p>
-          </p:txBody>
-        </p:sp>
-        <p:grpSp>
-          <p:nvGrpSpPr>
-            <p:cNvPr id="8" name="Group 7">
-              <a:extLst>
-                <a:ext uri="{FF2B5EF4-FFF2-40B4-BE49-F238E27FC236}">
-                  <a16:creationId xmlns:a16="http://schemas.microsoft.com/office/drawing/2014/main" id="{E5ED1EE4-A21A-4013-B4DB-C126156C1433}"/>
-                </a:ext>
-              </a:extLst>
-            </p:cNvPr>
-            <p:cNvGrpSpPr/>
-            <p:nvPr/>
-          </p:nvGrpSpPr>
-          <p:grpSpPr>
-            <a:xfrm>
-              <a:off x="6867716" y="2333578"/>
-              <a:ext cx="159287" cy="156665"/>
-              <a:chOff x="6867716" y="2333578"/>
-              <a:chExt cx="159287" cy="156665"/>
-            </a:xfrm>
-            <a:grpFill/>
-          </p:grpSpPr>
-          <p:sp>
-            <p:nvSpPr>
-              <p:cNvPr id="9" name="Freeform: Shape 8">
-                <a:extLst>
-                  <a:ext uri="{FF2B5EF4-FFF2-40B4-BE49-F238E27FC236}">
-                    <a16:creationId xmlns:a16="http://schemas.microsoft.com/office/drawing/2014/main" id="{BDD62E44-3CF9-40F1-88BD-28160EAF9E2C}"/>
-                  </a:ext>
-                </a:extLst>
-              </p:cNvPr>
-              <p:cNvSpPr>
-                <a:spLocks noChangeArrowheads="1"/>
-              </p:cNvSpPr>
-              <p:nvPr/>
-            </p:nvSpPr>
-            <p:spPr bwMode="auto">
-              <a:xfrm>
-                <a:off x="6867716" y="2333578"/>
-                <a:ext cx="159287" cy="156665"/>
-              </a:xfrm>
-              <a:custGeom>
-                <a:avLst/>
-                <a:gdLst>
-                  <a:gd name="connsiteX0" fmla="*/ 385763 w 771525"/>
-                  <a:gd name="connsiteY0" fmla="*/ 23813 h 758825"/>
-                  <a:gd name="connsiteX1" fmla="*/ 25400 w 771525"/>
-                  <a:gd name="connsiteY1" fmla="*/ 379413 h 758825"/>
-                  <a:gd name="connsiteX2" fmla="*/ 385763 w 771525"/>
-                  <a:gd name="connsiteY2" fmla="*/ 735013 h 758825"/>
-                  <a:gd name="connsiteX3" fmla="*/ 746126 w 771525"/>
-                  <a:gd name="connsiteY3" fmla="*/ 379413 h 758825"/>
-                  <a:gd name="connsiteX4" fmla="*/ 385763 w 771525"/>
-                  <a:gd name="connsiteY4" fmla="*/ 23813 h 758825"/>
-                  <a:gd name="connsiteX5" fmla="*/ 385763 w 771525"/>
-                  <a:gd name="connsiteY5" fmla="*/ 0 h 758825"/>
-                  <a:gd name="connsiteX6" fmla="*/ 535880 w 771525"/>
-                  <a:gd name="connsiteY6" fmla="*/ 29697 h 758825"/>
-                  <a:gd name="connsiteX7" fmla="*/ 658380 w 771525"/>
-                  <a:gd name="connsiteY7" fmla="*/ 111253 h 758825"/>
-                  <a:gd name="connsiteX8" fmla="*/ 741234 w 771525"/>
-                  <a:gd name="connsiteY8" fmla="*/ 231814 h 758825"/>
-                  <a:gd name="connsiteX9" fmla="*/ 771525 w 771525"/>
-                  <a:gd name="connsiteY9" fmla="*/ 379413 h 758825"/>
-                  <a:gd name="connsiteX10" fmla="*/ 741234 w 771525"/>
-                  <a:gd name="connsiteY10" fmla="*/ 527011 h 758825"/>
-                  <a:gd name="connsiteX11" fmla="*/ 658380 w 771525"/>
-                  <a:gd name="connsiteY11" fmla="*/ 648015 h 758825"/>
-                  <a:gd name="connsiteX12" fmla="*/ 535880 w 771525"/>
-                  <a:gd name="connsiteY12" fmla="*/ 729128 h 758825"/>
-                  <a:gd name="connsiteX13" fmla="*/ 385763 w 771525"/>
-                  <a:gd name="connsiteY13" fmla="*/ 758825 h 758825"/>
-                  <a:gd name="connsiteX14" fmla="*/ 235645 w 771525"/>
-                  <a:gd name="connsiteY14" fmla="*/ 729128 h 758825"/>
-                  <a:gd name="connsiteX15" fmla="*/ 112700 w 771525"/>
-                  <a:gd name="connsiteY15" fmla="*/ 648015 h 758825"/>
-                  <a:gd name="connsiteX16" fmla="*/ 30291 w 771525"/>
-                  <a:gd name="connsiteY16" fmla="*/ 527011 h 758825"/>
-                  <a:gd name="connsiteX17" fmla="*/ 0 w 771525"/>
-                  <a:gd name="connsiteY17" fmla="*/ 379413 h 758825"/>
-                  <a:gd name="connsiteX18" fmla="*/ 30291 w 771525"/>
-                  <a:gd name="connsiteY18" fmla="*/ 231814 h 758825"/>
-                  <a:gd name="connsiteX19" fmla="*/ 112700 w 771525"/>
-                  <a:gd name="connsiteY19" fmla="*/ 111253 h 758825"/>
-                  <a:gd name="connsiteX20" fmla="*/ 235645 w 771525"/>
-                  <a:gd name="connsiteY20" fmla="*/ 29697 h 758825"/>
-                  <a:gd name="connsiteX21" fmla="*/ 385763 w 771525"/>
-                  <a:gd name="connsiteY21" fmla="*/ 0 h 758825"/>
-                </a:gdLst>
-                <a:ahLst/>
-                <a:cxnLst>
-                  <a:cxn ang="0">
-                    <a:pos x="connsiteX0" y="connsiteY0"/>
-                  </a:cxn>
-                  <a:cxn ang="0">
-                    <a:pos x="connsiteX1" y="connsiteY1"/>
-                  </a:cxn>
-                  <a:cxn ang="0">
-                    <a:pos x="connsiteX2" y="connsiteY2"/>
-                  </a:cxn>
-                  <a:cxn ang="0">
-                    <a:pos x="connsiteX3" y="connsiteY3"/>
-                  </a:cxn>
-                  <a:cxn ang="0">
-                    <a:pos x="connsiteX4" y="connsiteY4"/>
-                  </a:cxn>
-                  <a:cxn ang="0">
-                    <a:pos x="connsiteX5" y="connsiteY5"/>
-                  </a:cxn>
-                  <a:cxn ang="0">
-                    <a:pos x="connsiteX6" y="connsiteY6"/>
-                  </a:cxn>
-                  <a:cxn ang="0">
-                    <a:pos x="connsiteX7" y="connsiteY7"/>
-                  </a:cxn>
-                  <a:cxn ang="0">
-                    <a:pos x="connsiteX8" y="connsiteY8"/>
-                  </a:cxn>
-                  <a:cxn ang="0">
-                    <a:pos x="connsiteX9" y="connsiteY9"/>
-                  </a:cxn>
-                  <a:cxn ang="0">
-                    <a:pos x="connsiteX10" y="connsiteY10"/>
-                  </a:cxn>
-                  <a:cxn ang="0">
-                    <a:pos x="connsiteX11" y="connsiteY11"/>
-                  </a:cxn>
-                  <a:cxn ang="0">
-                    <a:pos x="connsiteX12" y="connsiteY12"/>
-                  </a:cxn>
-                  <a:cxn ang="0">
-                    <a:pos x="connsiteX13" y="connsiteY13"/>
-                  </a:cxn>
-                  <a:cxn ang="0">
-                    <a:pos x="connsiteX14" y="connsiteY14"/>
-                  </a:cxn>
-                  <a:cxn ang="0">
-                    <a:pos x="connsiteX15" y="connsiteY15"/>
-                  </a:cxn>
-                  <a:cxn ang="0">
-                    <a:pos x="connsiteX16" y="connsiteY16"/>
-                  </a:cxn>
-                  <a:cxn ang="0">
-                    <a:pos x="connsiteX17" y="connsiteY17"/>
-                  </a:cxn>
-                  <a:cxn ang="0">
-                    <a:pos x="connsiteX18" y="connsiteY18"/>
-                  </a:cxn>
-                  <a:cxn ang="0">
-                    <a:pos x="connsiteX19" y="connsiteY19"/>
-                  </a:cxn>
-                  <a:cxn ang="0">
-                    <a:pos x="connsiteX20" y="connsiteY20"/>
-                  </a:cxn>
-                  <a:cxn ang="0">
-                    <a:pos x="connsiteX21" y="connsiteY21"/>
-                  </a:cxn>
-                </a:cxnLst>
-                <a:rect l="l" t="t" r="r" b="b"/>
-                <a:pathLst>
-                  <a:path w="771525" h="758825">
-                    <a:moveTo>
-                      <a:pt x="385763" y="23813"/>
-                    </a:moveTo>
-                    <a:cubicBezTo>
-                      <a:pt x="186740" y="23813"/>
-                      <a:pt x="25400" y="183021"/>
-                      <a:pt x="25400" y="379413"/>
-                    </a:cubicBezTo>
-                    <a:cubicBezTo>
-                      <a:pt x="25400" y="575805"/>
-                      <a:pt x="186740" y="735013"/>
-                      <a:pt x="385763" y="735013"/>
-                    </a:cubicBezTo>
-                    <a:cubicBezTo>
-                      <a:pt x="584786" y="735013"/>
-                      <a:pt x="746126" y="575805"/>
-                      <a:pt x="746126" y="379413"/>
-                    </a:cubicBezTo>
-                    <a:cubicBezTo>
-                      <a:pt x="746126" y="183021"/>
-                      <a:pt x="584786" y="23813"/>
-                      <a:pt x="385763" y="23813"/>
-                    </a:cubicBezTo>
-                    <a:close/>
-                    <a:moveTo>
-                      <a:pt x="385763" y="0"/>
-                    </a:moveTo>
-                    <a:cubicBezTo>
-                      <a:pt x="437881" y="0"/>
-                      <a:pt x="488217" y="9751"/>
-                      <a:pt x="535880" y="29697"/>
-                    </a:cubicBezTo>
-                    <a:cubicBezTo>
-                      <a:pt x="581762" y="48756"/>
-                      <a:pt x="623189" y="76237"/>
-                      <a:pt x="658380" y="111253"/>
-                    </a:cubicBezTo>
-                    <a:cubicBezTo>
-                      <a:pt x="694016" y="145826"/>
-                      <a:pt x="721634" y="186604"/>
-                      <a:pt x="741234" y="231814"/>
-                    </a:cubicBezTo>
-                    <a:cubicBezTo>
-                      <a:pt x="761280" y="278354"/>
-                      <a:pt x="771525" y="328440"/>
-                      <a:pt x="771525" y="379413"/>
-                    </a:cubicBezTo>
-                    <a:cubicBezTo>
-                      <a:pt x="771525" y="430828"/>
-                      <a:pt x="761280" y="480471"/>
-                      <a:pt x="741234" y="527011"/>
-                    </a:cubicBezTo>
-                    <a:cubicBezTo>
-                      <a:pt x="721634" y="572222"/>
-                      <a:pt x="694016" y="613000"/>
-                      <a:pt x="658380" y="648015"/>
-                    </a:cubicBezTo>
-                    <a:cubicBezTo>
-                      <a:pt x="623189" y="682588"/>
-                      <a:pt x="581762" y="710069"/>
-                      <a:pt x="535880" y="729128"/>
-                    </a:cubicBezTo>
-                    <a:cubicBezTo>
-                      <a:pt x="488217" y="749074"/>
-                      <a:pt x="437881" y="758825"/>
-                      <a:pt x="385763" y="758825"/>
-                    </a:cubicBezTo>
-                    <a:cubicBezTo>
-                      <a:pt x="333645" y="758825"/>
-                      <a:pt x="283308" y="749074"/>
-                      <a:pt x="235645" y="729128"/>
-                    </a:cubicBezTo>
-                    <a:cubicBezTo>
-                      <a:pt x="189318" y="710069"/>
-                      <a:pt x="148336" y="682588"/>
-                      <a:pt x="112700" y="648015"/>
-                    </a:cubicBezTo>
-                    <a:cubicBezTo>
-                      <a:pt x="77509" y="613000"/>
-                      <a:pt x="49446" y="572222"/>
-                      <a:pt x="30291" y="527011"/>
-                    </a:cubicBezTo>
-                    <a:cubicBezTo>
-                      <a:pt x="9800" y="480471"/>
-                      <a:pt x="0" y="430828"/>
-                      <a:pt x="0" y="379413"/>
-                    </a:cubicBezTo>
-                    <a:cubicBezTo>
-                      <a:pt x="0" y="328440"/>
-                      <a:pt x="9800" y="278354"/>
-                      <a:pt x="30291" y="231814"/>
-                    </a:cubicBezTo>
-                    <a:cubicBezTo>
-                      <a:pt x="49446" y="186604"/>
-                      <a:pt x="77509" y="145826"/>
-                      <a:pt x="112700" y="111253"/>
-                    </a:cubicBezTo>
-                    <a:cubicBezTo>
-                      <a:pt x="148336" y="76237"/>
-                      <a:pt x="189318" y="48756"/>
-                      <a:pt x="235645" y="29697"/>
-                    </a:cubicBezTo>
-                    <a:cubicBezTo>
-                      <a:pt x="283308" y="9751"/>
-                      <a:pt x="333645" y="0"/>
-                      <a:pt x="385763" y="0"/>
-                    </a:cubicBezTo>
-                    <a:close/>
-                  </a:path>
-                </a:pathLst>
-              </a:custGeom>
-              <a:grpFill/>
-              <a:ln>
-                <a:noFill/>
-              </a:ln>
-            </p:spPr>
-            <p:txBody>
-              <a:bodyPr vert="horz" wrap="square" lIns="91440" tIns="45720" rIns="91440" bIns="45720" numCol="1" anchor="t" anchorCtr="0" compatLnSpc="1">
-                <a:prstTxWarp prst="textNoShape">
-                  <a:avLst/>
-                </a:prstTxWarp>
-                <a:noAutofit/>
-              </a:bodyPr>
-              <a:lstStyle/>
-              <a:p>
-                <a:endParaRPr lang="en-US"/>
-              </a:p>
-            </p:txBody>
-          </p:sp>
-          <p:sp>
-            <p:nvSpPr>
-              <p:cNvPr id="10" name="Oval 11">
-                <a:extLst>
-                  <a:ext uri="{FF2B5EF4-FFF2-40B4-BE49-F238E27FC236}">
-                    <a16:creationId xmlns:a16="http://schemas.microsoft.com/office/drawing/2014/main" id="{2F36ECA5-709C-4C40-BC29-3A29BC4E5BE4}"/>
-                  </a:ext>
-                </a:extLst>
-              </p:cNvPr>
-              <p:cNvSpPr>
-                <a:spLocks noChangeArrowheads="1"/>
-              </p:cNvSpPr>
-              <p:nvPr/>
-            </p:nvSpPr>
-            <p:spPr bwMode="auto">
-              <a:xfrm>
-                <a:off x="6897542" y="2362748"/>
-                <a:ext cx="98981" cy="97998"/>
-              </a:xfrm>
-              <a:prstGeom prst="ellipse">
-                <a:avLst/>
-              </a:prstGeom>
-              <a:solidFill>
-                <a:schemeClr val="accent2">
-                  <a:lumMod val="60000"/>
-                  <a:lumOff val="40000"/>
-                </a:schemeClr>
-              </a:solidFill>
-              <a:ln>
-                <a:noFill/>
-              </a:ln>
-            </p:spPr>
-            <p:txBody>
-              <a:bodyPr vert="horz" wrap="square" lIns="91440" tIns="45720" rIns="91440" bIns="45720" numCol="1" anchor="t" anchorCtr="0" compatLnSpc="1">
-                <a:prstTxWarp prst="textNoShape">
-                  <a:avLst/>
-                </a:prstTxWarp>
-              </a:bodyPr>
-              <a:lstStyle/>
-              <a:p>
-                <a:endParaRPr lang="en-US"/>
-              </a:p>
-            </p:txBody>
-          </p:sp>
-          <p:sp>
-            <p:nvSpPr>
-              <p:cNvPr id="11" name="Oval 12">
-                <a:extLst>
-                  <a:ext uri="{FF2B5EF4-FFF2-40B4-BE49-F238E27FC236}">
-                    <a16:creationId xmlns:a16="http://schemas.microsoft.com/office/drawing/2014/main" id="{03FD49EF-6931-41E5-9630-DBB0C10F51F8}"/>
-                  </a:ext>
-                </a:extLst>
-              </p:cNvPr>
-              <p:cNvSpPr>
-                <a:spLocks noChangeArrowheads="1"/>
-              </p:cNvSpPr>
-              <p:nvPr/>
-            </p:nvSpPr>
-            <p:spPr bwMode="auto">
-              <a:xfrm>
-                <a:off x="6923106" y="2387001"/>
-                <a:ext cx="48179" cy="49490"/>
-              </a:xfrm>
-              <a:prstGeom prst="ellipse">
-                <a:avLst/>
-              </a:prstGeom>
-              <a:grpFill/>
-              <a:ln>
-                <a:noFill/>
-              </a:ln>
-            </p:spPr>
-            <p:txBody>
-              <a:bodyPr vert="horz" wrap="square" lIns="91440" tIns="45720" rIns="91440" bIns="45720" numCol="1" anchor="t" anchorCtr="0" compatLnSpc="1">
-                <a:prstTxWarp prst="textNoShape">
-                  <a:avLst/>
-                </a:prstTxWarp>
-              </a:bodyPr>
-              <a:lstStyle/>
-              <a:p>
-                <a:endParaRPr lang="en-US"/>
-              </a:p>
-            </p:txBody>
-          </p:sp>
-        </p:grpSp>
-      </p:grpSp>
-    </p:spTree>
-    <p:extLst>
-      <p:ext uri="{BB962C8B-B14F-4D97-AF65-F5344CB8AC3E}">
-        <p14:creationId xmlns:p14="http://schemas.microsoft.com/office/powerpoint/2010/main" val="3810703501"/>
-      </p:ext>
-    </p:extLst>
-  </p:cSld>
-  <p:clrMapOvr>
-    <a:masterClrMapping/>
-  </p:clrMapOvr>
-  <mc:AlternateContent xmlns:mc="http://schemas.openxmlformats.org/markup-compatibility/2006" xmlns:p14="http://schemas.microsoft.com/office/powerpoint/2010/main">
-    <mc:Choice Requires="p14">
-      <p:transition spd="med" p14:dur="700">
-        <p:fade/>
-      </p:transition>
-    </mc:Choice>
-    <mc:Fallback xmlns="">
-      <p:transition spd="med">
-        <p:fade/>
-      </p:transition>
-    </mc:Fallback>
-  </mc:AlternateContent>
-</p:sld>
-</file>
-
-<file path=ppt/slides/slide10.xml><?xml version="1.0" encoding="utf-8"?>
-<p:sld xmlns:a="http://schemas.openxmlformats.org/drawingml/2006/main" xmlns:r="http://schemas.openxmlformats.org/officeDocument/2006/relationships" xmlns:p="http://schemas.openxmlformats.org/presentationml/2006/main">
-  <p:cSld>
-    <p:spTree>
-      <p:nvGrpSpPr>
-        <p:cNvPr id="1" name=""/>
-        <p:cNvGrpSpPr/>
-        <p:nvPr/>
-      </p:nvGrpSpPr>
-      <p:grpSpPr>
-        <a:xfrm>
-          <a:off x="0" y="0"/>
-          <a:ext cx="0" cy="0"/>
-          <a:chOff x="0" y="0"/>
-          <a:chExt cx="0" cy="0"/>
-        </a:xfrm>
-      </p:grpSpPr>
-      <p:sp>
-        <p:nvSpPr>
           <p:cNvPr id="2" name="Title 1">
             <a:extLst>
               <a:ext uri="{FF2B5EF4-FFF2-40B4-BE49-F238E27FC236}">
-                <a16:creationId xmlns:a16="http://schemas.microsoft.com/office/drawing/2014/main" id="{C8AE7369-30F7-49D8-A2F0-12BD7E9BFDA4}"/>
+                <a16:creationId xmlns:a16="http://schemas.microsoft.com/office/drawing/2014/main" id="{BBAEE263-B5DD-456A-B6DD-B404053255B3}"/>
               </a:ext>
             </a:extLst>
           </p:cNvPr>
@@ -38871,7 +36381,7 @@
           <a:p>
             <a:r>
               <a:rPr lang="en-US" dirty="0"/>
-              <a:t>Implications of our findings</a:t>
+              <a:t>Core message</a:t>
             </a:r>
           </a:p>
         </p:txBody>
@@ -38881,7 +36391,7 @@
           <p:cNvPr id="3" name="Content Placeholder 2">
             <a:extLst>
               <a:ext uri="{FF2B5EF4-FFF2-40B4-BE49-F238E27FC236}">
-                <a16:creationId xmlns:a16="http://schemas.microsoft.com/office/drawing/2014/main" id="{8D5DE6BE-0E3F-4663-928B-64821BD233C5}"/>
+                <a16:creationId xmlns:a16="http://schemas.microsoft.com/office/drawing/2014/main" id="{EB84C9EF-47E8-446D-8278-3D4484BC9C73}"/>
               </a:ext>
             </a:extLst>
           </p:cNvPr>
@@ -38899,57 +36409,7 @@
           <a:p>
             <a:r>
               <a:rPr lang="en-US" dirty="0"/>
-              <a:t>Emerging trends in technology:</a:t>
-            </a:r>
-          </a:p>
-          <a:p>
-            <a:pPr lvl="1"/>
-            <a:r>
-              <a:rPr lang="en-US" dirty="0" err="1"/>
-              <a:t>Javascript</a:t>
-            </a:r>
-            <a:endParaRPr lang="en-US" dirty="0"/>
-          </a:p>
-          <a:p>
-            <a:pPr lvl="1"/>
-            <a:r>
-              <a:rPr lang="en-US" dirty="0"/>
-              <a:t>United states</a:t>
-            </a:r>
-          </a:p>
-          <a:p>
-            <a:pPr lvl="1"/>
-            <a:r>
-              <a:rPr lang="en-US" dirty="0"/>
-              <a:t>Popular platforms – Windows and Mac while Linux is not way behind</a:t>
-            </a:r>
-          </a:p>
-          <a:p>
-            <a:pPr lvl="1"/>
-            <a:r>
-              <a:rPr lang="en-US" dirty="0"/>
-              <a:t>Career satisfaction</a:t>
-            </a:r>
-          </a:p>
-          <a:p>
-            <a:pPr lvl="1"/>
-            <a:r>
-              <a:rPr lang="en-US" dirty="0"/>
-              <a:t>Popular age group</a:t>
-            </a:r>
-          </a:p>
-          <a:p>
-            <a:pPr lvl="1"/>
-            <a:r>
-              <a:rPr lang="en-US" dirty="0"/>
-              <a:t>Python has risen in the ranks of programming languages on our survey, surpassing C# in popularity this year, much like it surpassed PHP last year.</a:t>
-            </a:r>
-          </a:p>
-          <a:p>
-            <a:pPr lvl="1"/>
-            <a:r>
-              <a:rPr lang="en-US"/>
-              <a:t>Women say their highest priorities are company culture and opportunities for professional development, while men say their highest priorities are compensation and working with specific technologies.</a:t>
+              <a:t>Each year, Stack overflow conducts a survey within the developer community about everything from their favorite technologies to their job preferences. Over 100,000 developers took the 30-minute survey. We have analyzed the data from this survey for 2018</a:t>
             </a:r>
           </a:p>
         </p:txBody>
@@ -38959,7 +36419,7 @@
           <p:cNvPr id="4" name="Subtitle 3">
             <a:extLst>
               <a:ext uri="{FF2B5EF4-FFF2-40B4-BE49-F238E27FC236}">
-                <a16:creationId xmlns:a16="http://schemas.microsoft.com/office/drawing/2014/main" id="{DC7E10D7-E894-448B-A717-C7A7315218B1}"/>
+                <a16:creationId xmlns:a16="http://schemas.microsoft.com/office/drawing/2014/main" id="{C5D14C34-691E-4AAE-BF3B-0DF7B69F1D82}"/>
               </a:ext>
             </a:extLst>
           </p:cNvPr>
@@ -38975,7 +36435,10 @@
           <a:bodyPr/>
           <a:lstStyle/>
           <a:p>
-            <a:endParaRPr lang="en-US"/>
+            <a:r>
+              <a:rPr lang="en-US" dirty="0"/>
+              <a:t>Hypothesis for the project</a:t>
+            </a:r>
           </a:p>
         </p:txBody>
       </p:sp>
@@ -38984,7 +36447,7 @@
           <p:cNvPr id="5" name="Footer Placeholder 4">
             <a:extLst>
               <a:ext uri="{FF2B5EF4-FFF2-40B4-BE49-F238E27FC236}">
-                <a16:creationId xmlns:a16="http://schemas.microsoft.com/office/drawing/2014/main" id="{CE976514-6D1A-43DF-8656-125CF3EE6B5E}"/>
+                <a16:creationId xmlns:a16="http://schemas.microsoft.com/office/drawing/2014/main" id="{729FF368-3CF3-47CA-A269-D8BA32D8DA9F}"/>
               </a:ext>
             </a:extLst>
           </p:cNvPr>
@@ -39007,549 +36470,7 @@
     </p:spTree>
     <p:extLst>
       <p:ext uri="{BB962C8B-B14F-4D97-AF65-F5344CB8AC3E}">
-        <p14:creationId xmlns:p14="http://schemas.microsoft.com/office/powerpoint/2010/main" val="4082682661"/>
-      </p:ext>
-    </p:extLst>
-  </p:cSld>
-  <p:clrMapOvr>
-    <a:masterClrMapping/>
-  </p:clrMapOvr>
-  <mc:AlternateContent xmlns:mc="http://schemas.openxmlformats.org/markup-compatibility/2006" xmlns:p14="http://schemas.microsoft.com/office/powerpoint/2010/main">
-    <mc:Choice Requires="p14">
-      <p:transition spd="med" p14:dur="700">
-        <p:fade/>
-      </p:transition>
-    </mc:Choice>
-    <mc:Fallback xmlns="">
-      <p:transition spd="med">
-        <p:fade/>
-      </p:transition>
-    </mc:Fallback>
-  </mc:AlternateContent>
-</p:sld>
-</file>
-
-<file path=ppt/slides/slide11.xml><?xml version="1.0" encoding="utf-8"?>
-<p:sld xmlns:a="http://schemas.openxmlformats.org/drawingml/2006/main" xmlns:r="http://schemas.openxmlformats.org/officeDocument/2006/relationships" xmlns:p="http://schemas.openxmlformats.org/presentationml/2006/main">
-  <p:cSld>
-    <p:spTree>
-      <p:nvGrpSpPr>
-        <p:cNvPr id="1" name=""/>
-        <p:cNvGrpSpPr/>
-        <p:nvPr/>
-      </p:nvGrpSpPr>
-      <p:grpSpPr>
-        <a:xfrm>
-          <a:off x="0" y="0"/>
-          <a:ext cx="0" cy="0"/>
-          <a:chOff x="0" y="0"/>
-          <a:chExt cx="0" cy="0"/>
-        </a:xfrm>
-      </p:grpSpPr>
-    </p:spTree>
-    <p:extLst>
-      <p:ext uri="{BB962C8B-B14F-4D97-AF65-F5344CB8AC3E}">
-        <p14:creationId xmlns:p14="http://schemas.microsoft.com/office/powerpoint/2010/main" val="215650601"/>
-      </p:ext>
-    </p:extLst>
-  </p:cSld>
-  <p:clrMapOvr>
-    <a:masterClrMapping/>
-  </p:clrMapOvr>
-  <mc:AlternateContent xmlns:mc="http://schemas.openxmlformats.org/markup-compatibility/2006" xmlns:p14="http://schemas.microsoft.com/office/powerpoint/2010/main">
-    <mc:Choice Requires="p14">
-      <p:transition spd="med" p14:dur="700">
-        <p:fade/>
-      </p:transition>
-    </mc:Choice>
-    <mc:Fallback xmlns="">
-      <p:transition spd="med">
-        <p:fade/>
-      </p:transition>
-    </mc:Fallback>
-  </mc:AlternateContent>
-</p:sld>
-</file>
-
-<file path=ppt/slides/slide12.xml><?xml version="1.0" encoding="utf-8"?>
-<p:sld xmlns:a="http://schemas.openxmlformats.org/drawingml/2006/main" xmlns:r="http://schemas.openxmlformats.org/officeDocument/2006/relationships" xmlns:p="http://schemas.openxmlformats.org/presentationml/2006/main">
-  <p:cSld>
-    <p:spTree>
-      <p:nvGrpSpPr>
-        <p:cNvPr id="1" name=""/>
-        <p:cNvGrpSpPr/>
-        <p:nvPr/>
-      </p:nvGrpSpPr>
-      <p:grpSpPr>
-        <a:xfrm>
-          <a:off x="0" y="0"/>
-          <a:ext cx="0" cy="0"/>
-          <a:chOff x="0" y="0"/>
-          <a:chExt cx="0" cy="0"/>
-        </a:xfrm>
-      </p:grpSpPr>
-      <p:sp>
-        <p:nvSpPr>
-          <p:cNvPr id="4" name="Title 3"/>
-          <p:cNvSpPr>
-            <a:spLocks noGrp="1"/>
-          </p:cNvSpPr>
-          <p:nvPr>
-            <p:ph type="title"/>
-          </p:nvPr>
-        </p:nvSpPr>
-        <p:spPr/>
-        <p:txBody>
-          <a:bodyPr/>
-          <a:lstStyle/>
-          <a:p>
-            <a:r>
-              <a:rPr lang="en-US" sz="2400" dirty="0"/>
-              <a:t>Legal Requirements – Remove this page before external use</a:t>
-            </a:r>
-          </a:p>
-        </p:txBody>
-      </p:sp>
-      <p:sp>
-        <p:nvSpPr>
-          <p:cNvPr id="18" name="Content Placeholder 17">
-            <a:extLst>
-              <a:ext uri="{FF2B5EF4-FFF2-40B4-BE49-F238E27FC236}">
-                <a16:creationId xmlns:a16="http://schemas.microsoft.com/office/drawing/2014/main" id="{D5C7AAB0-D752-4C86-8E3E-1926E63F8717}"/>
-              </a:ext>
-            </a:extLst>
-          </p:cNvPr>
-          <p:cNvSpPr>
-            <a:spLocks noGrp="1"/>
-          </p:cNvSpPr>
-          <p:nvPr>
-            <p:ph sz="quarter" idx="12"/>
-          </p:nvPr>
-        </p:nvSpPr>
-        <p:spPr/>
-        <p:txBody>
-          <a:bodyPr/>
-          <a:lstStyle/>
-          <a:p>
-            <a:r>
-              <a:rPr lang="en-US" sz="1600" b="1" dirty="0"/>
-              <a:t>Title Page</a:t>
-            </a:r>
-            <a:r>
-              <a:rPr lang="en-US" sz="1600" dirty="0"/>
-              <a:t>.  The title page of all presentations must contain the speaker’s name, title, and the full legal name of the speaker’s employing entity.</a:t>
-            </a:r>
-          </a:p>
-          <a:p>
-            <a:r>
-              <a:rPr lang="en-US" sz="1600" b="1" dirty="0"/>
-              <a:t>Proper Trademark Use</a:t>
-            </a:r>
-            <a:r>
-              <a:rPr lang="en-US" sz="1600" dirty="0"/>
-              <a:t>.  Qualcomm trademarks must be used correctly and consistently in presentations.  For each trademark used in a presentation, a trademark attribution statement must appear on the closing slide.  Visit </a:t>
-            </a:r>
-            <a:r>
-              <a:rPr lang="en-US" sz="1600" b="1" dirty="0">
-                <a:solidFill>
-                  <a:schemeClr val="accent1"/>
-                </a:solidFill>
-              </a:rPr>
-              <a:t>go/trademarks </a:t>
-            </a:r>
-            <a:r>
-              <a:rPr lang="en-US" sz="1600" dirty="0"/>
-              <a:t>to access the Trademark Database, which illustrates how to properly use Qualcomm trademarks and includes applicable trademark attribution statements.</a:t>
-            </a:r>
-          </a:p>
-          <a:p>
-            <a:r>
-              <a:rPr lang="en-US" sz="1600" b="1" dirty="0"/>
-              <a:t>Product Attribution Statements</a:t>
-            </a:r>
-            <a:r>
-              <a:rPr lang="en-US" sz="1600" dirty="0"/>
-              <a:t>.  For each product name referenced in the presentation, a product attribution statement must appear in the footer of the slide on which the product is first mentioned.  The product statement must be set apart from other footnotes and/or legalese, and the text must be large enough and contrast enough with the background such that the statement is clearly legible and visible to the average reader.  Visit </a:t>
-            </a:r>
-            <a:r>
-              <a:rPr lang="en-US" sz="1600" b="1" dirty="0">
-                <a:solidFill>
-                  <a:schemeClr val="accent1"/>
-                </a:solidFill>
-              </a:rPr>
-              <a:t>go/trademarks </a:t>
-            </a:r>
-            <a:r>
-              <a:rPr lang="en-US" sz="1600" dirty="0"/>
-              <a:t>to access the Trademark Database, which includes applicable product attribution statements.</a:t>
-            </a:r>
-          </a:p>
-          <a:p>
-            <a:r>
-              <a:rPr lang="en-US" sz="1600" b="1" dirty="0"/>
-              <a:t>Images</a:t>
-            </a:r>
-            <a:r>
-              <a:rPr lang="en-US" sz="1600" dirty="0"/>
-              <a:t>.  Use only images that Qualcomm owns or has otherwise obtained sufficient rights to use.  Visit </a:t>
-            </a:r>
-            <a:r>
-              <a:rPr lang="en-US" sz="1600" b="1" dirty="0">
-                <a:solidFill>
-                  <a:schemeClr val="accent1"/>
-                </a:solidFill>
-              </a:rPr>
-              <a:t>go/</a:t>
-            </a:r>
-            <a:r>
-              <a:rPr lang="en-US" sz="1600" b="1" dirty="0" err="1">
-                <a:solidFill>
-                  <a:schemeClr val="accent1"/>
-                </a:solidFill>
-              </a:rPr>
-              <a:t>brandportal</a:t>
-            </a:r>
-            <a:r>
-              <a:rPr lang="en-US" sz="1600" b="1" dirty="0">
-                <a:solidFill>
-                  <a:schemeClr val="accent1"/>
-                </a:solidFill>
-              </a:rPr>
-              <a:t> </a:t>
-            </a:r>
-            <a:r>
-              <a:rPr lang="en-US" sz="1600" dirty="0"/>
-              <a:t>to download images that are approved for external use. Images purchased under the Getty Royalty Free License or the iStock Extended License with the multi-seat provision are also approved for use.</a:t>
-            </a:r>
-          </a:p>
-        </p:txBody>
-      </p:sp>
-      <p:sp>
-        <p:nvSpPr>
-          <p:cNvPr id="12" name="Subtitle 11">
-            <a:extLst>
-              <a:ext uri="{FF2B5EF4-FFF2-40B4-BE49-F238E27FC236}">
-                <a16:creationId xmlns:a16="http://schemas.microsoft.com/office/drawing/2014/main" id="{8990B4A0-BC41-44EF-B9F4-C976EC07C800}"/>
-              </a:ext>
-            </a:extLst>
-          </p:cNvPr>
-          <p:cNvSpPr>
-            <a:spLocks noGrp="1"/>
-          </p:cNvSpPr>
-          <p:nvPr>
-            <p:ph type="subTitle" idx="1"/>
-          </p:nvPr>
-        </p:nvSpPr>
-        <p:spPr/>
-        <p:txBody>
-          <a:bodyPr/>
-          <a:lstStyle/>
-          <a:p>
-            <a:r>
-              <a:rPr lang="en-US" dirty="0">
-                <a:solidFill>
-                  <a:schemeClr val="accent1"/>
-                </a:solidFill>
-              </a:rPr>
-              <a:t>LEGAL REVIEW IS REQUIRED BEFORE ANY EXTERNAL USE</a:t>
-            </a:r>
-          </a:p>
-        </p:txBody>
-      </p:sp>
-      <p:sp>
-        <p:nvSpPr>
-          <p:cNvPr id="20" name="Text Placeholder 19">
-            <a:extLst>
-              <a:ext uri="{FF2B5EF4-FFF2-40B4-BE49-F238E27FC236}">
-                <a16:creationId xmlns:a16="http://schemas.microsoft.com/office/drawing/2014/main" id="{1ADCBF96-3348-4D35-8FF5-3DFB1F14EFF9}"/>
-              </a:ext>
-            </a:extLst>
-          </p:cNvPr>
-          <p:cNvSpPr>
-            <a:spLocks noGrp="1"/>
-          </p:cNvSpPr>
-          <p:nvPr>
-            <p:ph type="body" sz="quarter" idx="10"/>
-          </p:nvPr>
-        </p:nvSpPr>
-        <p:spPr/>
-        <p:txBody>
-          <a:bodyPr/>
-          <a:lstStyle/>
-          <a:p>
-            <a:endParaRPr lang="en-US"/>
-          </a:p>
-        </p:txBody>
-      </p:sp>
-    </p:spTree>
-    <p:extLst>
-      <p:ext uri="{BB962C8B-B14F-4D97-AF65-F5344CB8AC3E}">
-        <p14:creationId xmlns:p14="http://schemas.microsoft.com/office/powerpoint/2010/main" val="1844566928"/>
-      </p:ext>
-    </p:extLst>
-  </p:cSld>
-  <p:clrMapOvr>
-    <a:masterClrMapping/>
-  </p:clrMapOvr>
-  <mc:AlternateContent xmlns:mc="http://schemas.openxmlformats.org/markup-compatibility/2006" xmlns:p14="http://schemas.microsoft.com/office/powerpoint/2010/main">
-    <mc:Choice Requires="p14">
-      <p:transition spd="med" p14:dur="700">
-        <p:fade/>
-      </p:transition>
-    </mc:Choice>
-    <mc:Fallback xmlns="">
-      <p:transition spd="med">
-        <p:fade/>
-      </p:transition>
-    </mc:Fallback>
-  </mc:AlternateContent>
-</p:sld>
-</file>
-
-<file path=ppt/slides/slide13.xml><?xml version="1.0" encoding="utf-8"?>
-<p:sld xmlns:a="http://schemas.openxmlformats.org/drawingml/2006/main" xmlns:r="http://schemas.openxmlformats.org/officeDocument/2006/relationships" xmlns:p="http://schemas.openxmlformats.org/presentationml/2006/main">
-  <p:cSld>
-    <p:spTree>
-      <p:nvGrpSpPr>
-        <p:cNvPr id="1" name=""/>
-        <p:cNvGrpSpPr/>
-        <p:nvPr/>
-      </p:nvGrpSpPr>
-      <p:grpSpPr>
-        <a:xfrm>
-          <a:off x="0" y="0"/>
-          <a:ext cx="0" cy="0"/>
-          <a:chOff x="0" y="0"/>
-          <a:chExt cx="0" cy="0"/>
-        </a:xfrm>
-      </p:grpSpPr>
-      <p:sp>
-        <p:nvSpPr>
-          <p:cNvPr id="4" name="Title 3"/>
-          <p:cNvSpPr>
-            <a:spLocks noGrp="1"/>
-          </p:cNvSpPr>
-          <p:nvPr>
-            <p:ph type="title"/>
-          </p:nvPr>
-        </p:nvSpPr>
-        <p:spPr/>
-        <p:txBody>
-          <a:bodyPr/>
-          <a:lstStyle/>
-          <a:p>
-            <a:r>
-              <a:rPr lang="en-US" sz="2400" dirty="0"/>
-              <a:t>Legal Requirements – Remove this page before external use</a:t>
-            </a:r>
-          </a:p>
-        </p:txBody>
-      </p:sp>
-      <p:sp>
-        <p:nvSpPr>
-          <p:cNvPr id="8" name="Content Placeholder 7">
-            <a:extLst>
-              <a:ext uri="{FF2B5EF4-FFF2-40B4-BE49-F238E27FC236}">
-                <a16:creationId xmlns:a16="http://schemas.microsoft.com/office/drawing/2014/main" id="{10EC113B-CF6E-4C71-A1A7-1FD077642752}"/>
-              </a:ext>
-            </a:extLst>
-          </p:cNvPr>
-          <p:cNvSpPr>
-            <a:spLocks noGrp="1"/>
-          </p:cNvSpPr>
-          <p:nvPr>
-            <p:ph sz="quarter" idx="12"/>
-          </p:nvPr>
-        </p:nvSpPr>
-        <p:spPr/>
-        <p:txBody>
-          <a:bodyPr/>
-          <a:lstStyle/>
-          <a:p>
-            <a:r>
-              <a:rPr lang="en-US" sz="1800" b="1" dirty="0"/>
-              <a:t>Third Party Content. </a:t>
-            </a:r>
-            <a:r>
-              <a:rPr lang="en-US" sz="1800" dirty="0"/>
-              <a:t>Permission must be obtained from the owner(s) of all third party content (e.g., photos, logos, video, music, device images, quotes, etc.).</a:t>
-            </a:r>
-          </a:p>
-          <a:p>
-            <a:r>
-              <a:rPr lang="en-US" sz="1800" b="1" dirty="0"/>
-              <a:t>Releases</a:t>
-            </a:r>
-            <a:r>
-              <a:rPr lang="en-US" sz="1800" dirty="0"/>
-              <a:t>. A release must be on file for each identifiable individual.</a:t>
-            </a:r>
-          </a:p>
-          <a:p>
-            <a:r>
-              <a:rPr lang="en-US" sz="1800" b="1" dirty="0"/>
-              <a:t>Thank You Slide</a:t>
-            </a:r>
-            <a:r>
-              <a:rPr lang="en-US" sz="1800" dirty="0"/>
-              <a:t>. The Thank You slide must contain all applicable legal statements, including the copyright notice and the trademark attribution statements, which may need to be updated to reflect all trademarks used in the presentation. Visit </a:t>
-            </a:r>
-            <a:r>
-              <a:rPr lang="en-US" sz="1800" dirty="0">
-                <a:hlinkClick r:id="rId3" action="ppaction://hlinkfile"/>
-              </a:rPr>
-              <a:t>go/trademarks </a:t>
-            </a:r>
-            <a:r>
-              <a:rPr lang="en-US" sz="1800" dirty="0"/>
-              <a:t>to access the Trademark Database, which includes applicable trademark attribution statements. To access or edit the closing slide text:</a:t>
-            </a:r>
-          </a:p>
-          <a:p>
-            <a:pPr marL="603647" lvl="2" indent="-342900">
-              <a:spcBef>
-                <a:spcPts val="600"/>
-              </a:spcBef>
-              <a:buFont typeface="+mj-lt"/>
-              <a:buAutoNum type="arabicPeriod"/>
-            </a:pPr>
-            <a:r>
-              <a:rPr lang="en-US" dirty="0"/>
-              <a:t>Click </a:t>
-            </a:r>
-            <a:r>
-              <a:rPr lang="en-US" b="1" dirty="0">
-                <a:solidFill>
-                  <a:schemeClr val="accent1"/>
-                </a:solidFill>
-              </a:rPr>
-              <a:t>View</a:t>
-            </a:r>
-            <a:r>
-              <a:rPr lang="en-US" dirty="0"/>
-              <a:t> in the Ribbon at the top of the window.</a:t>
-            </a:r>
-          </a:p>
-          <a:p>
-            <a:pPr marL="603647" lvl="2" indent="-342900">
-              <a:spcBef>
-                <a:spcPts val="600"/>
-              </a:spcBef>
-              <a:buFont typeface="+mj-lt"/>
-              <a:buAutoNum type="arabicPeriod"/>
-            </a:pPr>
-            <a:r>
-              <a:rPr lang="en-US" dirty="0"/>
-              <a:t>Click </a:t>
-            </a:r>
-            <a:r>
-              <a:rPr lang="en-US" b="1" dirty="0">
-                <a:solidFill>
-                  <a:schemeClr val="accent1"/>
-                </a:solidFill>
-              </a:rPr>
-              <a:t>Slide Master </a:t>
-            </a:r>
-            <a:r>
-              <a:rPr lang="en-US" dirty="0"/>
-              <a:t>in the Master Views section.</a:t>
-            </a:r>
-          </a:p>
-          <a:p>
-            <a:pPr marL="603647" lvl="2" indent="-342900">
-              <a:spcBef>
-                <a:spcPts val="600"/>
-              </a:spcBef>
-              <a:buFont typeface="+mj-lt"/>
-              <a:buAutoNum type="arabicPeriod"/>
-            </a:pPr>
-            <a:r>
-              <a:rPr lang="en-US" dirty="0"/>
-              <a:t>Scroll down to the Thank You slide in the master. </a:t>
-            </a:r>
-          </a:p>
-          <a:p>
-            <a:pPr marL="603647" lvl="2" indent="-342900">
-              <a:spcBef>
-                <a:spcPts val="600"/>
-              </a:spcBef>
-              <a:buFont typeface="+mj-lt"/>
-              <a:buAutoNum type="arabicPeriod"/>
-            </a:pPr>
-            <a:r>
-              <a:rPr lang="en-US" dirty="0"/>
-              <a:t>Insert the proper verbiage into the Thank You slide master.</a:t>
-            </a:r>
-          </a:p>
-          <a:p>
-            <a:pPr marL="603647" lvl="2" indent="-342900">
-              <a:spcBef>
-                <a:spcPts val="600"/>
-              </a:spcBef>
-              <a:buFont typeface="+mj-lt"/>
-              <a:buAutoNum type="arabicPeriod"/>
-            </a:pPr>
-            <a:r>
-              <a:rPr lang="en-US" dirty="0"/>
-              <a:t>Click </a:t>
-            </a:r>
-            <a:r>
-              <a:rPr lang="en-US" b="1" dirty="0">
-                <a:solidFill>
-                  <a:schemeClr val="accent1"/>
-                </a:solidFill>
-              </a:rPr>
-              <a:t>Close Master View</a:t>
-            </a:r>
-            <a:r>
-              <a:rPr lang="en-US" dirty="0"/>
-              <a:t>. Your Thank You slide will now show your edited content in the normal view. </a:t>
-            </a:r>
-          </a:p>
-          <a:p>
-            <a:endParaRPr lang="en-US" dirty="0"/>
-          </a:p>
-        </p:txBody>
-      </p:sp>
-      <p:sp>
-        <p:nvSpPr>
-          <p:cNvPr id="12" name="Subtitle 11">
-            <a:extLst>
-              <a:ext uri="{FF2B5EF4-FFF2-40B4-BE49-F238E27FC236}">
-                <a16:creationId xmlns:a16="http://schemas.microsoft.com/office/drawing/2014/main" id="{8990B4A0-BC41-44EF-B9F4-C976EC07C800}"/>
-              </a:ext>
-            </a:extLst>
-          </p:cNvPr>
-          <p:cNvSpPr>
-            <a:spLocks noGrp="1"/>
-          </p:cNvSpPr>
-          <p:nvPr>
-            <p:ph type="subTitle" idx="1"/>
-          </p:nvPr>
-        </p:nvSpPr>
-        <p:spPr/>
-        <p:txBody>
-          <a:bodyPr/>
-          <a:lstStyle/>
-          <a:p>
-            <a:r>
-              <a:rPr lang="en-US" dirty="0">
-                <a:solidFill>
-                  <a:schemeClr val="accent1"/>
-                </a:solidFill>
-              </a:rPr>
-              <a:t>LEGAL REVIEW IS REQUIRED BEFORE ANY EXTERNAL USE</a:t>
-            </a:r>
-          </a:p>
-          <a:p>
-            <a:endParaRPr lang="en-US" dirty="0"/>
-          </a:p>
-        </p:txBody>
-      </p:sp>
-    </p:spTree>
-    <p:extLst>
-      <p:ext uri="{BB962C8B-B14F-4D97-AF65-F5344CB8AC3E}">
-        <p14:creationId xmlns:p14="http://schemas.microsoft.com/office/powerpoint/2010/main" val="2022376955"/>
+        <p14:creationId xmlns:p14="http://schemas.microsoft.com/office/powerpoint/2010/main" val="1819293277"/>
       </p:ext>
     </p:extLst>
   </p:cSld>
@@ -39590,110 +36511,171 @@
       </p:grpSpPr>
       <p:sp>
         <p:nvSpPr>
-          <p:cNvPr id="5" name="TextBox 4">
+          <p:cNvPr id="2" name="Title 1">
             <a:extLst>
               <a:ext uri="{FF2B5EF4-FFF2-40B4-BE49-F238E27FC236}">
-                <a16:creationId xmlns:a16="http://schemas.microsoft.com/office/drawing/2014/main" id="{FED530DB-9217-43AA-BD8A-550DBC16B9F1}"/>
+                <a16:creationId xmlns:a16="http://schemas.microsoft.com/office/drawing/2014/main" id="{92361C30-A323-450A-B924-9AECEADD87A0}"/>
               </a:ext>
             </a:extLst>
           </p:cNvPr>
-          <p:cNvSpPr txBox="1"/>
-          <p:nvPr/>
+          <p:cNvSpPr>
+            <a:spLocks noGrp="1"/>
+          </p:cNvSpPr>
+          <p:nvPr>
+            <p:ph type="title"/>
+          </p:nvPr>
         </p:nvSpPr>
-        <p:spPr>
-          <a:xfrm>
-            <a:off x="525545" y="2186032"/>
-            <a:ext cx="11140910" cy="2485937"/>
-          </a:xfrm>
-          <a:prstGeom prst="rect">
-            <a:avLst/>
-          </a:prstGeom>
-          <a:noFill/>
-          <a:ln>
-            <a:noFill/>
-          </a:ln>
-        </p:spPr>
+        <p:spPr/>
         <p:txBody>
-          <a:bodyPr wrap="square" lIns="137160" tIns="91440" rIns="0" bIns="91440" rtlCol="0" anchor="ctr">
-            <a:spAutoFit/>
-          </a:bodyPr>
+          <a:bodyPr/>
           <a:lstStyle/>
           <a:p>
-            <a:pPr marL="0" lvl="7">
-              <a:lnSpc>
-                <a:spcPct val="86000"/>
-              </a:lnSpc>
-              <a:spcBef>
-                <a:spcPts val="1800"/>
-              </a:spcBef>
-              <a:buSzPct val="100000"/>
-              <a:buFont typeface="Microsoft Sans Serif" panose="020B0604020202020204" pitchFamily="34" charset="0"/>
-              <a:buChar char="​"/>
-            </a:pPr>
             <a:r>
-              <a:rPr lang="en-US" sz="5500" dirty="0">
-                <a:solidFill>
-                  <a:srgbClr val="000000">
-                    <a:lumMod val="85000"/>
-                    <a:lumOff val="15000"/>
-                  </a:srgbClr>
-                </a:solidFill>
-              </a:rPr>
-              <a:t>This template is a condensed version for general external use. </a:t>
+              <a:rPr lang="en-US" dirty="0"/>
+              <a:t>Questions and motivation</a:t>
             </a:r>
           </a:p>
-          <a:p>
-            <a:pPr marL="0" lvl="6">
-              <a:lnSpc>
-                <a:spcPct val="107000"/>
-              </a:lnSpc>
-              <a:spcBef>
-                <a:spcPts val="1200"/>
-              </a:spcBef>
-              <a:buFont typeface="Microsoft Sans Serif" panose="020B0604020202020204" pitchFamily="34" charset="0"/>
-              <a:buChar char="​"/>
-            </a:pPr>
+        </p:txBody>
+      </p:sp>
+      <p:sp>
+        <p:nvSpPr>
+          <p:cNvPr id="3" name="Content Placeholder 2">
+            <a:extLst>
+              <a:ext uri="{FF2B5EF4-FFF2-40B4-BE49-F238E27FC236}">
+                <a16:creationId xmlns:a16="http://schemas.microsoft.com/office/drawing/2014/main" id="{10994478-DF9D-4F05-BE02-71895F8C7509}"/>
+              </a:ext>
+            </a:extLst>
+          </p:cNvPr>
+          <p:cNvSpPr>
+            <a:spLocks noGrp="1"/>
+          </p:cNvSpPr>
+          <p:nvPr>
+            <p:ph sz="quarter" idx="12"/>
+          </p:nvPr>
+        </p:nvSpPr>
+        <p:spPr/>
+        <p:txBody>
+          <a:bodyPr/>
+          <a:lstStyle/>
+          <a:p>
             <a:r>
-              <a:rPr lang="en-US" sz="2100" dirty="0">
-                <a:solidFill>
-                  <a:srgbClr val="000000">
-                    <a:lumMod val="85000"/>
-                    <a:lumOff val="15000"/>
-                  </a:srgbClr>
-                </a:solidFill>
-              </a:rPr>
-              <a:t>You can download more templates in the template sections at </a:t>
+              <a:rPr lang="en-US" dirty="0"/>
+              <a:t>Since we are developers ourselves our group found it interesting to answer the following questions:</a:t>
+            </a:r>
+          </a:p>
+          <a:p>
+            <a:pPr lvl="1"/>
+            <a:r>
+              <a:rPr lang="en-US" dirty="0"/>
+              <a:t>What are important trends in the software industry today?</a:t>
+            </a:r>
+          </a:p>
+          <a:p>
+            <a:pPr lvl="1"/>
+            <a:r>
+              <a:rPr lang="en-US" dirty="0"/>
+              <a:t>What languages and technologies associated with this trend?</a:t>
+            </a:r>
+          </a:p>
+          <a:p>
+            <a:pPr lvl="1"/>
+            <a:r>
+              <a:rPr lang="en-US" dirty="0"/>
+              <a:t>How are developers working in these areas are benefiting?</a:t>
+            </a:r>
+          </a:p>
+          <a:p>
+            <a:pPr lvl="1"/>
+            <a:r>
+              <a:rPr lang="en-US" dirty="0"/>
+              <a:t>What is a typical successful developer profile look like?</a:t>
+            </a:r>
+          </a:p>
+          <a:p>
+            <a:pPr lvl="1"/>
+            <a:endParaRPr lang="en-US" dirty="0"/>
+          </a:p>
+          <a:p>
+            <a:r>
+              <a:rPr lang="en-US" dirty="0"/>
+              <a:t>Where and how we found the data that was used to answer these questions</a:t>
+            </a:r>
+          </a:p>
+          <a:p>
+            <a:pPr lvl="1"/>
+            <a:r>
+              <a:rPr lang="en-US" dirty="0"/>
+              <a:t>The data is available on </a:t>
             </a:r>
             <a:r>
-              <a:rPr lang="en-US" sz="2100" dirty="0">
-                <a:solidFill>
-                  <a:srgbClr val="000000">
-                    <a:lumMod val="85000"/>
-                    <a:lumOff val="15000"/>
-                  </a:srgbClr>
-                </a:solidFill>
-                <a:hlinkClick r:id="rId2"/>
-              </a:rPr>
-              <a:t>https://brand.qualcomm.com</a:t>
+              <a:rPr lang="en-US" dirty="0" err="1"/>
+              <a:t>kaggle</a:t>
             </a:r>
             <a:r>
-              <a:rPr lang="en-US" sz="2100" dirty="0">
-                <a:solidFill>
-                  <a:srgbClr val="000000">
-                    <a:lumMod val="85000"/>
-                    <a:lumOff val="15000"/>
-                  </a:srgbClr>
-                </a:solidFill>
-              </a:rPr>
-              <a:t> or go/presentations.</a:t>
+              <a:rPr lang="en-US" dirty="0"/>
+              <a:t> and we used it to answer the above questions</a:t>
             </a:r>
+          </a:p>
+          <a:p>
+            <a:pPr lvl="1"/>
+            <a:endParaRPr lang="en-US" dirty="0"/>
+          </a:p>
+        </p:txBody>
+      </p:sp>
+      <p:sp>
+        <p:nvSpPr>
+          <p:cNvPr id="4" name="Subtitle 3">
+            <a:extLst>
+              <a:ext uri="{FF2B5EF4-FFF2-40B4-BE49-F238E27FC236}">
+                <a16:creationId xmlns:a16="http://schemas.microsoft.com/office/drawing/2014/main" id="{88B59F66-E2B7-4CA0-81E1-E2EB99CBB283}"/>
+              </a:ext>
+            </a:extLst>
+          </p:cNvPr>
+          <p:cNvSpPr>
+            <a:spLocks noGrp="1"/>
+          </p:cNvSpPr>
+          <p:nvPr>
+            <p:ph type="subTitle" idx="1"/>
+          </p:nvPr>
+        </p:nvSpPr>
+        <p:spPr/>
+        <p:txBody>
+          <a:bodyPr/>
+          <a:lstStyle/>
+          <a:p>
+            <a:endParaRPr lang="en-US"/>
+          </a:p>
+        </p:txBody>
+      </p:sp>
+      <p:sp>
+        <p:nvSpPr>
+          <p:cNvPr id="5" name="Footer Placeholder 4">
+            <a:extLst>
+              <a:ext uri="{FF2B5EF4-FFF2-40B4-BE49-F238E27FC236}">
+                <a16:creationId xmlns:a16="http://schemas.microsoft.com/office/drawing/2014/main" id="{0F5142B5-E3EF-4783-95B2-2122029C7975}"/>
+              </a:ext>
+            </a:extLst>
+          </p:cNvPr>
+          <p:cNvSpPr>
+            <a:spLocks noGrp="1"/>
+          </p:cNvSpPr>
+          <p:nvPr>
+            <p:ph type="ftr" sz="quarter" idx="3"/>
+          </p:nvPr>
+        </p:nvSpPr>
+        <p:spPr/>
+        <p:txBody>
+          <a:bodyPr/>
+          <a:lstStyle/>
+          <a:p>
+            <a:endParaRPr lang="en-US" dirty="0"/>
           </a:p>
         </p:txBody>
       </p:sp>
     </p:spTree>
     <p:extLst>
       <p:ext uri="{BB962C8B-B14F-4D97-AF65-F5344CB8AC3E}">
-        <p14:creationId xmlns:p14="http://schemas.microsoft.com/office/powerpoint/2010/main" val="3178039477"/>
+        <p14:creationId xmlns:p14="http://schemas.microsoft.com/office/powerpoint/2010/main" val="2525679073"/>
       </p:ext>
     </p:extLst>
   </p:cSld>
@@ -39734,7 +36716,13 @@
       </p:grpSpPr>
       <p:sp>
         <p:nvSpPr>
-          <p:cNvPr id="4" name="Title 3"/>
+          <p:cNvPr id="2" name="Title 1">
+            <a:extLst>
+              <a:ext uri="{FF2B5EF4-FFF2-40B4-BE49-F238E27FC236}">
+                <a16:creationId xmlns:a16="http://schemas.microsoft.com/office/drawing/2014/main" id="{03439BD8-2DAA-4875-A169-674985650B8C}"/>
+              </a:ext>
+            </a:extLst>
+          </p:cNvPr>
           <p:cNvSpPr>
             <a:spLocks noGrp="1"/>
           </p:cNvSpPr>
@@ -39749,14 +36737,20 @@
           <a:p>
             <a:r>
               <a:rPr lang="en-US" dirty="0"/>
-              <a:t>Important legal instructions</a:t>
+              <a:t>Data exploration and cleanup process </a:t>
             </a:r>
           </a:p>
         </p:txBody>
       </p:sp>
       <p:sp>
         <p:nvSpPr>
-          <p:cNvPr id="5" name="Content Placeholder 4"/>
+          <p:cNvPr id="3" name="Content Placeholder 2">
+            <a:extLst>
+              <a:ext uri="{FF2B5EF4-FFF2-40B4-BE49-F238E27FC236}">
+                <a16:creationId xmlns:a16="http://schemas.microsoft.com/office/drawing/2014/main" id="{6A8F38D4-E31D-4F55-91AF-5D15B85DE48A}"/>
+              </a:ext>
+            </a:extLst>
+          </p:cNvPr>
           <p:cNvSpPr>
             <a:spLocks noGrp="1"/>
           </p:cNvSpPr>
@@ -39769,118 +36763,75 @@
           <a:bodyPr/>
           <a:lstStyle/>
           <a:p>
-            <a:pPr lvl="6"/>
             <a:r>
-              <a:rPr lang="en-US" sz="1800" dirty="0"/>
-              <a:t>Ensure that you use the proper product-trademark symbols, verbiage and product names in your presentation. (Refer to the Trademarks Database at go/trademarks for more information.)</a:t>
-            </a:r>
-          </a:p>
-          <a:p>
-            <a:pPr lvl="6"/>
-            <a:r>
-              <a:rPr lang="en-US" sz="1800" dirty="0"/>
-              <a:t>It is also important to use the proper product disclaimers on the final Thank You slide of your presentation. </a:t>
-            </a:r>
-          </a:p>
-          <a:p>
-            <a:pPr lvl="6"/>
-            <a:r>
-              <a:rPr lang="en-US" sz="1800" dirty="0"/>
-              <a:t>To edit the disclaimer text in the Thank You slide:</a:t>
-            </a:r>
-          </a:p>
-          <a:p>
-            <a:pPr marL="914400" lvl="6" indent="-457200">
-              <a:buFont typeface="+mj-lt"/>
-              <a:buAutoNum type="arabicPeriod"/>
-            </a:pPr>
-            <a:r>
-              <a:rPr lang="en-US" sz="1800" dirty="0"/>
-              <a:t>Click </a:t>
+              <a:rPr lang="en-US" dirty="0"/>
+              <a:t>Tried to analyze a subset of data relevant to our class project. So cleaned up many extraneous data columns. Then in our individual branches, we removed </a:t>
             </a:r>
             <a:r>
-              <a:rPr lang="en-US" sz="1800" b="1" dirty="0">
-                <a:solidFill>
-                  <a:schemeClr val="accent1"/>
-                </a:solidFill>
-              </a:rPr>
-              <a:t>View</a:t>
+              <a:rPr lang="en-US" dirty="0" err="1"/>
+              <a:t>NaN</a:t>
             </a:r>
             <a:r>
-              <a:rPr lang="en-US" sz="1800" dirty="0"/>
-              <a:t> in the Ribbon at the top of the window.</a:t>
+              <a:rPr lang="en-US" dirty="0"/>
+              <a:t> type of data before starting the analysis.</a:t>
             </a:r>
           </a:p>
-          <a:p>
-            <a:pPr marL="914400" lvl="6" indent="-457200">
-              <a:buFont typeface="+mj-lt"/>
-              <a:buAutoNum type="arabicPeriod"/>
-            </a:pPr>
-            <a:r>
-              <a:rPr lang="en-US" sz="1800" dirty="0"/>
-              <a:t>Click </a:t>
-            </a:r>
-            <a:r>
-              <a:rPr lang="en-US" sz="1800" b="1" dirty="0">
-                <a:solidFill>
-                  <a:schemeClr val="accent1"/>
-                </a:solidFill>
-              </a:rPr>
-              <a:t>Slide Master </a:t>
-            </a:r>
-            <a:r>
-              <a:rPr lang="en-US" sz="1800" dirty="0"/>
-              <a:t>in the Master Views section.</a:t>
-            </a:r>
-          </a:p>
-          <a:p>
-            <a:pPr marL="914400" lvl="6" indent="-457200">
-              <a:buFont typeface="+mj-lt"/>
-              <a:buAutoNum type="arabicPeriod"/>
-            </a:pPr>
-            <a:r>
-              <a:rPr lang="en-US" sz="1800" dirty="0"/>
-              <a:t>Scroll down to the Thank You slide in the master. </a:t>
-            </a:r>
-          </a:p>
-          <a:p>
-            <a:pPr marL="914400" lvl="6" indent="-457200">
-              <a:buFont typeface="+mj-lt"/>
-              <a:buAutoNum type="arabicPeriod"/>
-            </a:pPr>
-            <a:r>
-              <a:rPr lang="en-US" sz="1800" dirty="0"/>
-              <a:t>Insert the proper verbiage into the Thank You slide master.</a:t>
-            </a:r>
-          </a:p>
-          <a:p>
-            <a:pPr marL="914400" lvl="6" indent="-457200">
-              <a:buFont typeface="+mj-lt"/>
-              <a:buAutoNum type="arabicPeriod"/>
-            </a:pPr>
-            <a:r>
-              <a:rPr lang="en-US" sz="1800" dirty="0"/>
-              <a:t>Click </a:t>
-            </a:r>
-            <a:r>
-              <a:rPr lang="en-US" sz="1800" b="1" dirty="0">
-                <a:solidFill>
-                  <a:schemeClr val="accent1"/>
-                </a:solidFill>
-              </a:rPr>
-              <a:t>Close Master View</a:t>
-            </a:r>
-            <a:r>
-              <a:rPr lang="en-US" sz="1800" dirty="0"/>
-              <a:t>. Your Thank You slide will now show your edited content in the normal view. </a:t>
-            </a:r>
+        </p:txBody>
+      </p:sp>
+      <p:sp>
+        <p:nvSpPr>
+          <p:cNvPr id="4" name="Subtitle 3">
+            <a:extLst>
+              <a:ext uri="{FF2B5EF4-FFF2-40B4-BE49-F238E27FC236}">
+                <a16:creationId xmlns:a16="http://schemas.microsoft.com/office/drawing/2014/main" id="{70E4FA30-9F9C-4995-8064-135B56AB50CB}"/>
+              </a:ext>
+            </a:extLst>
+          </p:cNvPr>
+          <p:cNvSpPr>
+            <a:spLocks noGrp="1"/>
+          </p:cNvSpPr>
+          <p:nvPr>
+            <p:ph type="subTitle" idx="1"/>
+          </p:nvPr>
+        </p:nvSpPr>
+        <p:spPr/>
+        <p:txBody>
+          <a:bodyPr/>
+          <a:lstStyle/>
+          <a:p>
+            <a:endParaRPr lang="en-US"/>
+          </a:p>
+        </p:txBody>
+      </p:sp>
+      <p:sp>
+        <p:nvSpPr>
+          <p:cNvPr id="5" name="Footer Placeholder 4">
+            <a:extLst>
+              <a:ext uri="{FF2B5EF4-FFF2-40B4-BE49-F238E27FC236}">
+                <a16:creationId xmlns:a16="http://schemas.microsoft.com/office/drawing/2014/main" id="{B4E7C58F-828E-4434-8DC0-FD0E3E6BBCBA}"/>
+              </a:ext>
+            </a:extLst>
+          </p:cNvPr>
+          <p:cNvSpPr>
+            <a:spLocks noGrp="1"/>
+          </p:cNvSpPr>
+          <p:nvPr>
+            <p:ph type="ftr" sz="quarter" idx="3"/>
+          </p:nvPr>
+        </p:nvSpPr>
+        <p:spPr/>
+        <p:txBody>
+          <a:bodyPr/>
+          <a:lstStyle/>
+          <a:p>
+            <a:endParaRPr lang="en-US" dirty="0"/>
           </a:p>
         </p:txBody>
       </p:sp>
     </p:spTree>
     <p:extLst>
       <p:ext uri="{BB962C8B-B14F-4D97-AF65-F5344CB8AC3E}">
-        <p14:creationId xmlns:p14="http://schemas.microsoft.com/office/powerpoint/2010/main" val="1319807137"/>
+        <p14:creationId xmlns:p14="http://schemas.microsoft.com/office/powerpoint/2010/main" val="518481761"/>
       </p:ext>
     </p:extLst>
   </p:cSld>
@@ -39921,7 +36872,13 @@
       </p:grpSpPr>
       <p:sp>
         <p:nvSpPr>
-          <p:cNvPr id="4" name="Title 3"/>
+          <p:cNvPr id="2" name="Title 1">
+            <a:extLst>
+              <a:ext uri="{FF2B5EF4-FFF2-40B4-BE49-F238E27FC236}">
+                <a16:creationId xmlns:a16="http://schemas.microsoft.com/office/drawing/2014/main" id="{C6288C1C-8264-42CC-B292-2E2E4C206C2F}"/>
+              </a:ext>
+            </a:extLst>
+          </p:cNvPr>
           <p:cNvSpPr>
             <a:spLocks noGrp="1"/>
           </p:cNvSpPr>
@@ -39935,21 +36892,26 @@
           <a:lstStyle/>
           <a:p>
             <a:r>
-              <a:rPr lang="en-US"/>
-              <a:t>Header is 34 points</a:t>
+              <a:rPr lang="en-US" dirty="0"/>
+              <a:t>Process of data analysis and synthesizing</a:t>
             </a:r>
-            <a:endParaRPr lang="en-US" dirty="0"/>
           </a:p>
         </p:txBody>
       </p:sp>
       <p:sp>
         <p:nvSpPr>
-          <p:cNvPr id="5" name="Content Placeholder 4"/>
+          <p:cNvPr id="3" name="Content Placeholder 2">
+            <a:extLst>
+              <a:ext uri="{FF2B5EF4-FFF2-40B4-BE49-F238E27FC236}">
+                <a16:creationId xmlns:a16="http://schemas.microsoft.com/office/drawing/2014/main" id="{89C826FC-90B2-4CC2-B37A-43B219664E8C}"/>
+              </a:ext>
+            </a:extLst>
+          </p:cNvPr>
           <p:cNvSpPr>
             <a:spLocks noGrp="1"/>
           </p:cNvSpPr>
           <p:nvPr>
-            <p:ph idx="12"/>
+            <p:ph sz="quarter" idx="12"/>
           </p:nvPr>
         </p:nvSpPr>
         <p:spPr/>
@@ -39957,76 +36919,61 @@
           <a:bodyPr/>
           <a:lstStyle/>
           <a:p>
-            <a:pPr lvl="0"/>
             <a:r>
               <a:rPr lang="en-US" dirty="0"/>
-              <a:t>Body bullet 01 is 21 points with a blue bullet</a:t>
+              <a:t>One </a:t>
+            </a:r>
+            <a:r>
+              <a:rPr lang="en-US" dirty="0" err="1"/>
+              <a:t>Jupyter</a:t>
+            </a:r>
+            <a:r>
+              <a:rPr lang="en-US" dirty="0"/>
+              <a:t> notebook was dedicated per branch to analyze the data</a:t>
+            </a:r>
+          </a:p>
+          <a:p>
+            <a:r>
+              <a:rPr lang="en-US" dirty="0"/>
+              <a:t>Obtained count:</a:t>
             </a:r>
           </a:p>
           <a:p>
             <a:pPr lvl="1"/>
             <a:r>
               <a:rPr lang="en-US" dirty="0"/>
-              <a:t>Body bullet 02 is 21 points</a:t>
+              <a:t>of developers using a particular language per country</a:t>
             </a:r>
           </a:p>
           <a:p>
-            <a:pPr lvl="2"/>
+            <a:pPr lvl="1"/>
             <a:r>
               <a:rPr lang="en-US" dirty="0"/>
-              <a:t>Body bullet 03 is 18 points</a:t>
+              <a:t>of platform usage in each country</a:t>
             </a:r>
           </a:p>
           <a:p>
-            <a:pPr lvl="3"/>
+            <a:pPr lvl="1"/>
             <a:r>
               <a:rPr lang="en-US" dirty="0"/>
-              <a:t>Body bullet 04 is 18 points</a:t>
+              <a:t>of respondents from the country</a:t>
             </a:r>
           </a:p>
           <a:p>
-            <a:pPr lvl="4"/>
+            <a:pPr lvl="1"/>
             <a:r>
               <a:rPr lang="en-US" dirty="0"/>
-              <a:t>Body head is 28 points</a:t>
-            </a:r>
-          </a:p>
-          <a:p>
-            <a:pPr lvl="5"/>
-            <a:r>
-              <a:rPr lang="en-US" dirty="0"/>
-              <a:t>Subhead is 24 points</a:t>
-            </a:r>
-          </a:p>
-          <a:p>
-            <a:pPr lvl="6"/>
-            <a:r>
-              <a:rPr lang="en-US" dirty="0"/>
-              <a:t>Body copy is 21 points</a:t>
-            </a:r>
-          </a:p>
-          <a:p>
-            <a:pPr lvl="0"/>
-            <a:r>
-              <a:rPr lang="en-US" dirty="0"/>
-              <a:t>Limit the number of bullets on a slide</a:t>
-            </a:r>
-          </a:p>
-          <a:p>
-            <a:pPr lvl="0"/>
-            <a:r>
-              <a:rPr lang="en-US" dirty="0"/>
-              <a:t>Avoid using type smaller than the recommended font sizes</a:t>
+              <a:t>of salary per developer in each country</a:t>
             </a:r>
           </a:p>
         </p:txBody>
       </p:sp>
       <p:sp>
         <p:nvSpPr>
-          <p:cNvPr id="9" name="Subtitle 8">
+          <p:cNvPr id="4" name="Subtitle 3">
             <a:extLst>
               <a:ext uri="{FF2B5EF4-FFF2-40B4-BE49-F238E27FC236}">
-                <a16:creationId xmlns:a16="http://schemas.microsoft.com/office/drawing/2014/main" id="{24F41A1A-74AD-4058-B0E5-BB9BD0E82C2C}"/>
+                <a16:creationId xmlns:a16="http://schemas.microsoft.com/office/drawing/2014/main" id="{70D4A105-4E2F-46D6-9EEE-7BF5307CE059}"/>
               </a:ext>
             </a:extLst>
           </p:cNvPr>
@@ -40042,11 +36989,30 @@
           <a:bodyPr/>
           <a:lstStyle/>
           <a:p>
-            <a:r>
-              <a:rPr lang="en-US" dirty="0"/>
-              <a:t>Subtitle is 24 points</a:t>
-            </a:r>
-          </a:p>
+            <a:endParaRPr lang="en-US"/>
+          </a:p>
+        </p:txBody>
+      </p:sp>
+      <p:sp>
+        <p:nvSpPr>
+          <p:cNvPr id="5" name="Footer Placeholder 4">
+            <a:extLst>
+              <a:ext uri="{FF2B5EF4-FFF2-40B4-BE49-F238E27FC236}">
+                <a16:creationId xmlns:a16="http://schemas.microsoft.com/office/drawing/2014/main" id="{81A51C46-326D-4FFA-A3C7-A896B9350532}"/>
+              </a:ext>
+            </a:extLst>
+          </p:cNvPr>
+          <p:cNvSpPr>
+            <a:spLocks noGrp="1"/>
+          </p:cNvSpPr>
+          <p:nvPr>
+            <p:ph type="ftr" sz="quarter" idx="3"/>
+          </p:nvPr>
+        </p:nvSpPr>
+        <p:spPr/>
+        <p:txBody>
+          <a:bodyPr/>
+          <a:lstStyle/>
           <a:p>
             <a:endParaRPr lang="en-US" dirty="0"/>
           </a:p>
@@ -40055,7 +37021,7 @@
     </p:spTree>
     <p:extLst>
       <p:ext uri="{BB962C8B-B14F-4D97-AF65-F5344CB8AC3E}">
-        <p14:creationId xmlns:p14="http://schemas.microsoft.com/office/powerpoint/2010/main" val="1172688196"/>
+        <p14:creationId xmlns:p14="http://schemas.microsoft.com/office/powerpoint/2010/main" val="2156464131"/>
       </p:ext>
     </p:extLst>
   </p:cSld>
@@ -40099,7 +37065,7 @@
           <p:cNvPr id="2" name="Title 1">
             <a:extLst>
               <a:ext uri="{FF2B5EF4-FFF2-40B4-BE49-F238E27FC236}">
-                <a16:creationId xmlns:a16="http://schemas.microsoft.com/office/drawing/2014/main" id="{BBAEE263-B5DD-456A-B6DD-B404053255B3}"/>
+                <a16:creationId xmlns:a16="http://schemas.microsoft.com/office/drawing/2014/main" id="{FBD22706-3E92-4906-B3FF-BA451E159AF2}"/>
               </a:ext>
             </a:extLst>
           </p:cNvPr>
@@ -40117,7 +37083,7 @@
           <a:p>
             <a:r>
               <a:rPr lang="en-US" dirty="0"/>
-              <a:t>Core message</a:t>
+              <a:t>Conclusions and summary</a:t>
             </a:r>
           </a:p>
         </p:txBody>
@@ -40127,7 +37093,7 @@
           <p:cNvPr id="3" name="Content Placeholder 2">
             <a:extLst>
               <a:ext uri="{FF2B5EF4-FFF2-40B4-BE49-F238E27FC236}">
-                <a16:creationId xmlns:a16="http://schemas.microsoft.com/office/drawing/2014/main" id="{EB84C9EF-47E8-446D-8278-3D4484BC9C73}"/>
+                <a16:creationId xmlns:a16="http://schemas.microsoft.com/office/drawing/2014/main" id="{7E9491B9-F13F-4131-8952-BC50D21241CA}"/>
               </a:ext>
             </a:extLst>
           </p:cNvPr>
@@ -40145,8 +37111,11 @@
           <a:p>
             <a:r>
               <a:rPr lang="en-US" dirty="0"/>
-              <a:t>Each year, Stack overflow conducts a survey within the developer community about everything from their favorite technologies to their job preferences. Over 100,000 developers took the 30-minute survey. We have analyzed the data from this survey for 2018</a:t>
+              <a:t>United states and India emerged as two top technology countries while others like Germany/UK still have good number of developers engaged in leading edge technology areas</a:t>
             </a:r>
+          </a:p>
+          <a:p>
+            <a:endParaRPr lang="en-US" dirty="0"/>
           </a:p>
         </p:txBody>
       </p:sp>
@@ -40155,7 +37124,7 @@
           <p:cNvPr id="4" name="Subtitle 3">
             <a:extLst>
               <a:ext uri="{FF2B5EF4-FFF2-40B4-BE49-F238E27FC236}">
-                <a16:creationId xmlns:a16="http://schemas.microsoft.com/office/drawing/2014/main" id="{C5D14C34-691E-4AAE-BF3B-0DF7B69F1D82}"/>
+                <a16:creationId xmlns:a16="http://schemas.microsoft.com/office/drawing/2014/main" id="{2A989A37-9FB9-4F11-9D20-FD6216D79722}"/>
               </a:ext>
             </a:extLst>
           </p:cNvPr>
@@ -40171,10 +37140,7 @@
           <a:bodyPr/>
           <a:lstStyle/>
           <a:p>
-            <a:r>
-              <a:rPr lang="en-US" dirty="0"/>
-              <a:t>Hypothesis for the project</a:t>
-            </a:r>
+            <a:endParaRPr lang="en-US"/>
           </a:p>
         </p:txBody>
       </p:sp>
@@ -40183,7 +37149,7 @@
           <p:cNvPr id="5" name="Footer Placeholder 4">
             <a:extLst>
               <a:ext uri="{FF2B5EF4-FFF2-40B4-BE49-F238E27FC236}">
-                <a16:creationId xmlns:a16="http://schemas.microsoft.com/office/drawing/2014/main" id="{729FF368-3CF3-47CA-A269-D8BA32D8DA9F}"/>
+                <a16:creationId xmlns:a16="http://schemas.microsoft.com/office/drawing/2014/main" id="{4DCC4634-541E-4F7B-A89F-D808E32B7868}"/>
               </a:ext>
             </a:extLst>
           </p:cNvPr>
@@ -40206,7 +37172,7 @@
     </p:spTree>
     <p:extLst>
       <p:ext uri="{BB962C8B-B14F-4D97-AF65-F5344CB8AC3E}">
-        <p14:creationId xmlns:p14="http://schemas.microsoft.com/office/powerpoint/2010/main" val="1819293277"/>
+        <p14:creationId xmlns:p14="http://schemas.microsoft.com/office/powerpoint/2010/main" val="4209378311"/>
       </p:ext>
     </p:extLst>
   </p:cSld>
@@ -40250,7 +37216,7 @@
           <p:cNvPr id="2" name="Title 1">
             <a:extLst>
               <a:ext uri="{FF2B5EF4-FFF2-40B4-BE49-F238E27FC236}">
-                <a16:creationId xmlns:a16="http://schemas.microsoft.com/office/drawing/2014/main" id="{92361C30-A323-450A-B924-9AECEADD87A0}"/>
+                <a16:creationId xmlns:a16="http://schemas.microsoft.com/office/drawing/2014/main" id="{C8AE7369-30F7-49D8-A2F0-12BD7E9BFDA4}"/>
               </a:ext>
             </a:extLst>
           </p:cNvPr>
@@ -40268,7 +37234,7 @@
           <a:p>
             <a:r>
               <a:rPr lang="en-US" dirty="0"/>
-              <a:t>Questions and motivation</a:t>
+              <a:t>Implications of our findings</a:t>
             </a:r>
           </a:p>
         </p:txBody>
@@ -40278,7 +37244,7 @@
           <p:cNvPr id="3" name="Content Placeholder 2">
             <a:extLst>
               <a:ext uri="{FF2B5EF4-FFF2-40B4-BE49-F238E27FC236}">
-                <a16:creationId xmlns:a16="http://schemas.microsoft.com/office/drawing/2014/main" id="{10994478-DF9D-4F05-BE02-71895F8C7509}"/>
+                <a16:creationId xmlns:a16="http://schemas.microsoft.com/office/drawing/2014/main" id="{8D5DE6BE-0E3F-4663-928B-64821BD233C5}"/>
               </a:ext>
             </a:extLst>
           </p:cNvPr>
@@ -40296,65 +37262,58 @@
           <a:p>
             <a:r>
               <a:rPr lang="en-US" dirty="0"/>
-              <a:t>Since we are developers ourselves our group found it interesting to answer the following questions:</a:t>
+              <a:t>Emerging trends in technology:</a:t>
             </a:r>
+          </a:p>
+          <a:p>
+            <a:pPr lvl="1"/>
+            <a:r>
+              <a:rPr lang="en-US" dirty="0" err="1"/>
+              <a:t>Javascript</a:t>
+            </a:r>
+            <a:endParaRPr lang="en-US" dirty="0"/>
           </a:p>
           <a:p>
             <a:pPr lvl="1"/>
             <a:r>
               <a:rPr lang="en-US" dirty="0"/>
-              <a:t>What are important trends in the software industry today?</a:t>
+              <a:t>United states</a:t>
             </a:r>
           </a:p>
           <a:p>
             <a:pPr lvl="1"/>
             <a:r>
               <a:rPr lang="en-US" dirty="0"/>
-              <a:t>What languages and technologies associated with this trend?</a:t>
+              <a:t>Popular platforms – Windows and Mac while Linux is not way behind</a:t>
             </a:r>
           </a:p>
           <a:p>
             <a:pPr lvl="1"/>
             <a:r>
               <a:rPr lang="en-US" dirty="0"/>
-              <a:t>How are developers working in these areas are benefiting?</a:t>
+              <a:t>Career satisfaction</a:t>
             </a:r>
           </a:p>
           <a:p>
             <a:pPr lvl="1"/>
             <a:r>
               <a:rPr lang="en-US" dirty="0"/>
-              <a:t>What is a typical successful developer profile look like?</a:t>
-            </a:r>
-          </a:p>
-          <a:p>
-            <a:pPr lvl="1"/>
-            <a:endParaRPr lang="en-US" dirty="0"/>
-          </a:p>
-          <a:p>
-            <a:r>
-              <a:rPr lang="en-US" dirty="0"/>
-              <a:t>Where and how we found the data that was used to answer these questions</a:t>
+              <a:t>Popular age group</a:t>
             </a:r>
           </a:p>
           <a:p>
             <a:pPr lvl="1"/>
             <a:r>
               <a:rPr lang="en-US" dirty="0"/>
-              <a:t>The data is available on </a:t>
+              <a:t>Python has risen in the ranks of programming languages on our survey, surpassing C# in popularity this year, much like it surpassed PHP last year.</a:t>
             </a:r>
-            <a:r>
-              <a:rPr lang="en-US" dirty="0" err="1"/>
-              <a:t>kaggle</a:t>
-            </a:r>
+          </a:p>
+          <a:p>
+            <a:pPr lvl="1"/>
             <a:r>
               <a:rPr lang="en-US" dirty="0"/>
-              <a:t> and we used it to answer the above questions</a:t>
+              <a:t>Women say their highest priorities are company culture and opportunities for professional development, while men say their highest priorities are compensation and working with specific technologies.</a:t>
             </a:r>
-          </a:p>
-          <a:p>
-            <a:pPr lvl="1"/>
-            <a:endParaRPr lang="en-US" dirty="0"/>
           </a:p>
         </p:txBody>
       </p:sp>
@@ -40363,7 +37322,7 @@
           <p:cNvPr id="4" name="Subtitle 3">
             <a:extLst>
               <a:ext uri="{FF2B5EF4-FFF2-40B4-BE49-F238E27FC236}">
-                <a16:creationId xmlns:a16="http://schemas.microsoft.com/office/drawing/2014/main" id="{88B59F66-E2B7-4CA0-81E1-E2EB99CBB283}"/>
+                <a16:creationId xmlns:a16="http://schemas.microsoft.com/office/drawing/2014/main" id="{DC7E10D7-E894-448B-A717-C7A7315218B1}"/>
               </a:ext>
             </a:extLst>
           </p:cNvPr>
@@ -40388,7 +37347,7 @@
           <p:cNvPr id="5" name="Footer Placeholder 4">
             <a:extLst>
               <a:ext uri="{FF2B5EF4-FFF2-40B4-BE49-F238E27FC236}">
-                <a16:creationId xmlns:a16="http://schemas.microsoft.com/office/drawing/2014/main" id="{0F5142B5-E3EF-4783-95B2-2122029C7975}"/>
+                <a16:creationId xmlns:a16="http://schemas.microsoft.com/office/drawing/2014/main" id="{CE976514-6D1A-43DF-8656-125CF3EE6B5E}"/>
               </a:ext>
             </a:extLst>
           </p:cNvPr>
@@ -40411,504 +37370,7 @@
     </p:spTree>
     <p:extLst>
       <p:ext uri="{BB962C8B-B14F-4D97-AF65-F5344CB8AC3E}">
-        <p14:creationId xmlns:p14="http://schemas.microsoft.com/office/powerpoint/2010/main" val="2525679073"/>
-      </p:ext>
-    </p:extLst>
-  </p:cSld>
-  <p:clrMapOvr>
-    <a:masterClrMapping/>
-  </p:clrMapOvr>
-  <mc:AlternateContent xmlns:mc="http://schemas.openxmlformats.org/markup-compatibility/2006" xmlns:p14="http://schemas.microsoft.com/office/powerpoint/2010/main">
-    <mc:Choice Requires="p14">
-      <p:transition spd="med" p14:dur="700">
-        <p:fade/>
-      </p:transition>
-    </mc:Choice>
-    <mc:Fallback xmlns="">
-      <p:transition spd="med">
-        <p:fade/>
-      </p:transition>
-    </mc:Fallback>
-  </mc:AlternateContent>
-</p:sld>
-</file>
-
-<file path=ppt/slides/slide7.xml><?xml version="1.0" encoding="utf-8"?>
-<p:sld xmlns:a="http://schemas.openxmlformats.org/drawingml/2006/main" xmlns:r="http://schemas.openxmlformats.org/officeDocument/2006/relationships" xmlns:p="http://schemas.openxmlformats.org/presentationml/2006/main">
-  <p:cSld>
-    <p:spTree>
-      <p:nvGrpSpPr>
-        <p:cNvPr id="1" name=""/>
-        <p:cNvGrpSpPr/>
-        <p:nvPr/>
-      </p:nvGrpSpPr>
-      <p:grpSpPr>
-        <a:xfrm>
-          <a:off x="0" y="0"/>
-          <a:ext cx="0" cy="0"/>
-          <a:chOff x="0" y="0"/>
-          <a:chExt cx="0" cy="0"/>
-        </a:xfrm>
-      </p:grpSpPr>
-      <p:sp>
-        <p:nvSpPr>
-          <p:cNvPr id="2" name="Title 1">
-            <a:extLst>
-              <a:ext uri="{FF2B5EF4-FFF2-40B4-BE49-F238E27FC236}">
-                <a16:creationId xmlns:a16="http://schemas.microsoft.com/office/drawing/2014/main" id="{03439BD8-2DAA-4875-A169-674985650B8C}"/>
-              </a:ext>
-            </a:extLst>
-          </p:cNvPr>
-          <p:cNvSpPr>
-            <a:spLocks noGrp="1"/>
-          </p:cNvSpPr>
-          <p:nvPr>
-            <p:ph type="title"/>
-          </p:nvPr>
-        </p:nvSpPr>
-        <p:spPr/>
-        <p:txBody>
-          <a:bodyPr/>
-          <a:lstStyle/>
-          <a:p>
-            <a:r>
-              <a:rPr lang="en-US" dirty="0"/>
-              <a:t>Data exploration and cleanup process </a:t>
-            </a:r>
-          </a:p>
-        </p:txBody>
-      </p:sp>
-      <p:sp>
-        <p:nvSpPr>
-          <p:cNvPr id="3" name="Content Placeholder 2">
-            <a:extLst>
-              <a:ext uri="{FF2B5EF4-FFF2-40B4-BE49-F238E27FC236}">
-                <a16:creationId xmlns:a16="http://schemas.microsoft.com/office/drawing/2014/main" id="{6A8F38D4-E31D-4F55-91AF-5D15B85DE48A}"/>
-              </a:ext>
-            </a:extLst>
-          </p:cNvPr>
-          <p:cNvSpPr>
-            <a:spLocks noGrp="1"/>
-          </p:cNvSpPr>
-          <p:nvPr>
-            <p:ph sz="quarter" idx="12"/>
-          </p:nvPr>
-        </p:nvSpPr>
-        <p:spPr/>
-        <p:txBody>
-          <a:bodyPr/>
-          <a:lstStyle/>
-          <a:p>
-            <a:r>
-              <a:rPr lang="en-US" dirty="0"/>
-              <a:t>Tried to analyze a subset of data relevant to our class project. So cleaned up many extraneous data columns. Then in our individual branches, we removed </a:t>
-            </a:r>
-            <a:r>
-              <a:rPr lang="en-US" dirty="0" err="1"/>
-              <a:t>NaN</a:t>
-            </a:r>
-            <a:r>
-              <a:rPr lang="en-US" dirty="0"/>
-              <a:t> type of data before starting the analysis.</a:t>
-            </a:r>
-          </a:p>
-        </p:txBody>
-      </p:sp>
-      <p:sp>
-        <p:nvSpPr>
-          <p:cNvPr id="4" name="Subtitle 3">
-            <a:extLst>
-              <a:ext uri="{FF2B5EF4-FFF2-40B4-BE49-F238E27FC236}">
-                <a16:creationId xmlns:a16="http://schemas.microsoft.com/office/drawing/2014/main" id="{70E4FA30-9F9C-4995-8064-135B56AB50CB}"/>
-              </a:ext>
-            </a:extLst>
-          </p:cNvPr>
-          <p:cNvSpPr>
-            <a:spLocks noGrp="1"/>
-          </p:cNvSpPr>
-          <p:nvPr>
-            <p:ph type="subTitle" idx="1"/>
-          </p:nvPr>
-        </p:nvSpPr>
-        <p:spPr/>
-        <p:txBody>
-          <a:bodyPr/>
-          <a:lstStyle/>
-          <a:p>
-            <a:endParaRPr lang="en-US"/>
-          </a:p>
-        </p:txBody>
-      </p:sp>
-      <p:sp>
-        <p:nvSpPr>
-          <p:cNvPr id="5" name="Footer Placeholder 4">
-            <a:extLst>
-              <a:ext uri="{FF2B5EF4-FFF2-40B4-BE49-F238E27FC236}">
-                <a16:creationId xmlns:a16="http://schemas.microsoft.com/office/drawing/2014/main" id="{B4E7C58F-828E-4434-8DC0-FD0E3E6BBCBA}"/>
-              </a:ext>
-            </a:extLst>
-          </p:cNvPr>
-          <p:cNvSpPr>
-            <a:spLocks noGrp="1"/>
-          </p:cNvSpPr>
-          <p:nvPr>
-            <p:ph type="ftr" sz="quarter" idx="3"/>
-          </p:nvPr>
-        </p:nvSpPr>
-        <p:spPr/>
-        <p:txBody>
-          <a:bodyPr/>
-          <a:lstStyle/>
-          <a:p>
-            <a:endParaRPr lang="en-US" dirty="0"/>
-          </a:p>
-        </p:txBody>
-      </p:sp>
-    </p:spTree>
-    <p:extLst>
-      <p:ext uri="{BB962C8B-B14F-4D97-AF65-F5344CB8AC3E}">
-        <p14:creationId xmlns:p14="http://schemas.microsoft.com/office/powerpoint/2010/main" val="518481761"/>
-      </p:ext>
-    </p:extLst>
-  </p:cSld>
-  <p:clrMapOvr>
-    <a:masterClrMapping/>
-  </p:clrMapOvr>
-  <mc:AlternateContent xmlns:mc="http://schemas.openxmlformats.org/markup-compatibility/2006" xmlns:p14="http://schemas.microsoft.com/office/powerpoint/2010/main">
-    <mc:Choice Requires="p14">
-      <p:transition spd="med" p14:dur="700">
-        <p:fade/>
-      </p:transition>
-    </mc:Choice>
-    <mc:Fallback xmlns="">
-      <p:transition spd="med">
-        <p:fade/>
-      </p:transition>
-    </mc:Fallback>
-  </mc:AlternateContent>
-</p:sld>
-</file>
-
-<file path=ppt/slides/slide8.xml><?xml version="1.0" encoding="utf-8"?>
-<p:sld xmlns:a="http://schemas.openxmlformats.org/drawingml/2006/main" xmlns:r="http://schemas.openxmlformats.org/officeDocument/2006/relationships" xmlns:p="http://schemas.openxmlformats.org/presentationml/2006/main">
-  <p:cSld>
-    <p:spTree>
-      <p:nvGrpSpPr>
-        <p:cNvPr id="1" name=""/>
-        <p:cNvGrpSpPr/>
-        <p:nvPr/>
-      </p:nvGrpSpPr>
-      <p:grpSpPr>
-        <a:xfrm>
-          <a:off x="0" y="0"/>
-          <a:ext cx="0" cy="0"/>
-          <a:chOff x="0" y="0"/>
-          <a:chExt cx="0" cy="0"/>
-        </a:xfrm>
-      </p:grpSpPr>
-      <p:sp>
-        <p:nvSpPr>
-          <p:cNvPr id="2" name="Title 1">
-            <a:extLst>
-              <a:ext uri="{FF2B5EF4-FFF2-40B4-BE49-F238E27FC236}">
-                <a16:creationId xmlns:a16="http://schemas.microsoft.com/office/drawing/2014/main" id="{C6288C1C-8264-42CC-B292-2E2E4C206C2F}"/>
-              </a:ext>
-            </a:extLst>
-          </p:cNvPr>
-          <p:cNvSpPr>
-            <a:spLocks noGrp="1"/>
-          </p:cNvSpPr>
-          <p:nvPr>
-            <p:ph type="title"/>
-          </p:nvPr>
-        </p:nvSpPr>
-        <p:spPr/>
-        <p:txBody>
-          <a:bodyPr/>
-          <a:lstStyle/>
-          <a:p>
-            <a:r>
-              <a:rPr lang="en-US" dirty="0"/>
-              <a:t>Process of data analysis and synthesizing</a:t>
-            </a:r>
-          </a:p>
-        </p:txBody>
-      </p:sp>
-      <p:sp>
-        <p:nvSpPr>
-          <p:cNvPr id="3" name="Content Placeholder 2">
-            <a:extLst>
-              <a:ext uri="{FF2B5EF4-FFF2-40B4-BE49-F238E27FC236}">
-                <a16:creationId xmlns:a16="http://schemas.microsoft.com/office/drawing/2014/main" id="{89C826FC-90B2-4CC2-B37A-43B219664E8C}"/>
-              </a:ext>
-            </a:extLst>
-          </p:cNvPr>
-          <p:cNvSpPr>
-            <a:spLocks noGrp="1"/>
-          </p:cNvSpPr>
-          <p:nvPr>
-            <p:ph sz="quarter" idx="12"/>
-          </p:nvPr>
-        </p:nvSpPr>
-        <p:spPr/>
-        <p:txBody>
-          <a:bodyPr/>
-          <a:lstStyle/>
-          <a:p>
-            <a:r>
-              <a:rPr lang="en-US" dirty="0"/>
-              <a:t>One </a:t>
-            </a:r>
-            <a:r>
-              <a:rPr lang="en-US" dirty="0" err="1"/>
-              <a:t>Jupyter</a:t>
-            </a:r>
-            <a:r>
-              <a:rPr lang="en-US" dirty="0"/>
-              <a:t> notebook was dedicated per branch to analyze the data</a:t>
-            </a:r>
-          </a:p>
-          <a:p>
-            <a:r>
-              <a:rPr lang="en-US" dirty="0"/>
-              <a:t>Obtained count:</a:t>
-            </a:r>
-          </a:p>
-          <a:p>
-            <a:pPr lvl="1"/>
-            <a:r>
-              <a:rPr lang="en-US" dirty="0"/>
-              <a:t>of developers using a particular language per country</a:t>
-            </a:r>
-          </a:p>
-          <a:p>
-            <a:pPr lvl="1"/>
-            <a:r>
-              <a:rPr lang="en-US" dirty="0"/>
-              <a:t>of platform usage in each country</a:t>
-            </a:r>
-          </a:p>
-          <a:p>
-            <a:pPr lvl="1"/>
-            <a:r>
-              <a:rPr lang="en-US" dirty="0"/>
-              <a:t>of respondents from the country</a:t>
-            </a:r>
-          </a:p>
-          <a:p>
-            <a:pPr lvl="1"/>
-            <a:r>
-              <a:rPr lang="en-US" dirty="0"/>
-              <a:t>of salary per developer in each country</a:t>
-            </a:r>
-          </a:p>
-        </p:txBody>
-      </p:sp>
-      <p:sp>
-        <p:nvSpPr>
-          <p:cNvPr id="4" name="Subtitle 3">
-            <a:extLst>
-              <a:ext uri="{FF2B5EF4-FFF2-40B4-BE49-F238E27FC236}">
-                <a16:creationId xmlns:a16="http://schemas.microsoft.com/office/drawing/2014/main" id="{70D4A105-4E2F-46D6-9EEE-7BF5307CE059}"/>
-              </a:ext>
-            </a:extLst>
-          </p:cNvPr>
-          <p:cNvSpPr>
-            <a:spLocks noGrp="1"/>
-          </p:cNvSpPr>
-          <p:nvPr>
-            <p:ph type="subTitle" idx="1"/>
-          </p:nvPr>
-        </p:nvSpPr>
-        <p:spPr/>
-        <p:txBody>
-          <a:bodyPr/>
-          <a:lstStyle/>
-          <a:p>
-            <a:endParaRPr lang="en-US"/>
-          </a:p>
-        </p:txBody>
-      </p:sp>
-      <p:sp>
-        <p:nvSpPr>
-          <p:cNvPr id="5" name="Footer Placeholder 4">
-            <a:extLst>
-              <a:ext uri="{FF2B5EF4-FFF2-40B4-BE49-F238E27FC236}">
-                <a16:creationId xmlns:a16="http://schemas.microsoft.com/office/drawing/2014/main" id="{81A51C46-326D-4FFA-A3C7-A896B9350532}"/>
-              </a:ext>
-            </a:extLst>
-          </p:cNvPr>
-          <p:cNvSpPr>
-            <a:spLocks noGrp="1"/>
-          </p:cNvSpPr>
-          <p:nvPr>
-            <p:ph type="ftr" sz="quarter" idx="3"/>
-          </p:nvPr>
-        </p:nvSpPr>
-        <p:spPr/>
-        <p:txBody>
-          <a:bodyPr/>
-          <a:lstStyle/>
-          <a:p>
-            <a:endParaRPr lang="en-US" dirty="0"/>
-          </a:p>
-        </p:txBody>
-      </p:sp>
-    </p:spTree>
-    <p:extLst>
-      <p:ext uri="{BB962C8B-B14F-4D97-AF65-F5344CB8AC3E}">
-        <p14:creationId xmlns:p14="http://schemas.microsoft.com/office/powerpoint/2010/main" val="2156464131"/>
-      </p:ext>
-    </p:extLst>
-  </p:cSld>
-  <p:clrMapOvr>
-    <a:masterClrMapping/>
-  </p:clrMapOvr>
-  <mc:AlternateContent xmlns:mc="http://schemas.openxmlformats.org/markup-compatibility/2006" xmlns:p14="http://schemas.microsoft.com/office/powerpoint/2010/main">
-    <mc:Choice Requires="p14">
-      <p:transition spd="med" p14:dur="700">
-        <p:fade/>
-      </p:transition>
-    </mc:Choice>
-    <mc:Fallback xmlns="">
-      <p:transition spd="med">
-        <p:fade/>
-      </p:transition>
-    </mc:Fallback>
-  </mc:AlternateContent>
-</p:sld>
-</file>
-
-<file path=ppt/slides/slide9.xml><?xml version="1.0" encoding="utf-8"?>
-<p:sld xmlns:a="http://schemas.openxmlformats.org/drawingml/2006/main" xmlns:r="http://schemas.openxmlformats.org/officeDocument/2006/relationships" xmlns:p="http://schemas.openxmlformats.org/presentationml/2006/main">
-  <p:cSld>
-    <p:spTree>
-      <p:nvGrpSpPr>
-        <p:cNvPr id="1" name=""/>
-        <p:cNvGrpSpPr/>
-        <p:nvPr/>
-      </p:nvGrpSpPr>
-      <p:grpSpPr>
-        <a:xfrm>
-          <a:off x="0" y="0"/>
-          <a:ext cx="0" cy="0"/>
-          <a:chOff x="0" y="0"/>
-          <a:chExt cx="0" cy="0"/>
-        </a:xfrm>
-      </p:grpSpPr>
-      <p:sp>
-        <p:nvSpPr>
-          <p:cNvPr id="2" name="Title 1">
-            <a:extLst>
-              <a:ext uri="{FF2B5EF4-FFF2-40B4-BE49-F238E27FC236}">
-                <a16:creationId xmlns:a16="http://schemas.microsoft.com/office/drawing/2014/main" id="{FBD22706-3E92-4906-B3FF-BA451E159AF2}"/>
-              </a:ext>
-            </a:extLst>
-          </p:cNvPr>
-          <p:cNvSpPr>
-            <a:spLocks noGrp="1"/>
-          </p:cNvSpPr>
-          <p:nvPr>
-            <p:ph type="title"/>
-          </p:nvPr>
-        </p:nvSpPr>
-        <p:spPr/>
-        <p:txBody>
-          <a:bodyPr/>
-          <a:lstStyle/>
-          <a:p>
-            <a:r>
-              <a:rPr lang="en-US" dirty="0"/>
-              <a:t>Conclusions and summary</a:t>
-            </a:r>
-          </a:p>
-        </p:txBody>
-      </p:sp>
-      <p:sp>
-        <p:nvSpPr>
-          <p:cNvPr id="3" name="Content Placeholder 2">
-            <a:extLst>
-              <a:ext uri="{FF2B5EF4-FFF2-40B4-BE49-F238E27FC236}">
-                <a16:creationId xmlns:a16="http://schemas.microsoft.com/office/drawing/2014/main" id="{7E9491B9-F13F-4131-8952-BC50D21241CA}"/>
-              </a:ext>
-            </a:extLst>
-          </p:cNvPr>
-          <p:cNvSpPr>
-            <a:spLocks noGrp="1"/>
-          </p:cNvSpPr>
-          <p:nvPr>
-            <p:ph sz="quarter" idx="12"/>
-          </p:nvPr>
-        </p:nvSpPr>
-        <p:spPr/>
-        <p:txBody>
-          <a:bodyPr/>
-          <a:lstStyle/>
-          <a:p>
-            <a:r>
-              <a:rPr lang="en-US" dirty="0"/>
-              <a:t>United states and India emerged as two top technology countries while others like Germany/UK still have good number of developers engaged in leading edge technology areas</a:t>
-            </a:r>
-          </a:p>
-          <a:p>
-            <a:endParaRPr lang="en-US" dirty="0"/>
-          </a:p>
-        </p:txBody>
-      </p:sp>
-      <p:sp>
-        <p:nvSpPr>
-          <p:cNvPr id="4" name="Subtitle 3">
-            <a:extLst>
-              <a:ext uri="{FF2B5EF4-FFF2-40B4-BE49-F238E27FC236}">
-                <a16:creationId xmlns:a16="http://schemas.microsoft.com/office/drawing/2014/main" id="{2A989A37-9FB9-4F11-9D20-FD6216D79722}"/>
-              </a:ext>
-            </a:extLst>
-          </p:cNvPr>
-          <p:cNvSpPr>
-            <a:spLocks noGrp="1"/>
-          </p:cNvSpPr>
-          <p:nvPr>
-            <p:ph type="subTitle" idx="1"/>
-          </p:nvPr>
-        </p:nvSpPr>
-        <p:spPr/>
-        <p:txBody>
-          <a:bodyPr/>
-          <a:lstStyle/>
-          <a:p>
-            <a:endParaRPr lang="en-US"/>
-          </a:p>
-        </p:txBody>
-      </p:sp>
-      <p:sp>
-        <p:nvSpPr>
-          <p:cNvPr id="5" name="Footer Placeholder 4">
-            <a:extLst>
-              <a:ext uri="{FF2B5EF4-FFF2-40B4-BE49-F238E27FC236}">
-                <a16:creationId xmlns:a16="http://schemas.microsoft.com/office/drawing/2014/main" id="{4DCC4634-541E-4F7B-A89F-D808E32B7868}"/>
-              </a:ext>
-            </a:extLst>
-          </p:cNvPr>
-          <p:cNvSpPr>
-            <a:spLocks noGrp="1"/>
-          </p:cNvSpPr>
-          <p:nvPr>
-            <p:ph type="ftr" sz="quarter" idx="3"/>
-          </p:nvPr>
-        </p:nvSpPr>
-        <p:spPr/>
-        <p:txBody>
-          <a:bodyPr/>
-          <a:lstStyle/>
-          <a:p>
-            <a:endParaRPr lang="en-US" dirty="0"/>
-          </a:p>
-        </p:txBody>
-      </p:sp>
-    </p:spTree>
-    <p:extLst>
-      <p:ext uri="{BB962C8B-B14F-4D97-AF65-F5344CB8AC3E}">
-        <p14:creationId xmlns:p14="http://schemas.microsoft.com/office/powerpoint/2010/main" val="4209378311"/>
+        <p14:creationId xmlns:p14="http://schemas.microsoft.com/office/powerpoint/2010/main" val="4082682661"/>
       </p:ext>
     </p:extLst>
   </p:cSld>
